--- a/Doc/Lectures/Git Introduction.pptx
+++ b/Doc/Lectures/Git Introduction.pptx
@@ -10,7 +10,7 @@
     <p:sldMasterId id="2147483680" r:id="rId12"/>
   </p:sldMasterIdLst>
   <p:notesMasterIdLst>
-    <p:notesMasterId r:id="rId68"/>
+    <p:notesMasterId r:id="rId69"/>
   </p:notesMasterIdLst>
   <p:sldIdLst>
     <p:sldId id="257" r:id="rId13"/>
@@ -42,32 +42,33 @@
     <p:sldId id="1192" r:id="rId39"/>
     <p:sldId id="1228" r:id="rId40"/>
     <p:sldId id="1215" r:id="rId41"/>
-    <p:sldId id="1239" r:id="rId42"/>
-    <p:sldId id="1241" r:id="rId43"/>
-    <p:sldId id="1221" r:id="rId44"/>
-    <p:sldId id="1240" r:id="rId45"/>
-    <p:sldId id="1222" r:id="rId46"/>
-    <p:sldId id="1224" r:id="rId47"/>
-    <p:sldId id="1243" r:id="rId48"/>
-    <p:sldId id="1247" r:id="rId49"/>
-    <p:sldId id="1258" r:id="rId50"/>
-    <p:sldId id="1248" r:id="rId51"/>
-    <p:sldId id="1249" r:id="rId52"/>
-    <p:sldId id="1251" r:id="rId53"/>
-    <p:sldId id="1252" r:id="rId54"/>
-    <p:sldId id="1253" r:id="rId55"/>
-    <p:sldId id="1246" r:id="rId56"/>
-    <p:sldId id="1256" r:id="rId57"/>
-    <p:sldId id="1255" r:id="rId58"/>
-    <p:sldId id="1259" r:id="rId59"/>
-    <p:sldId id="1262" r:id="rId60"/>
-    <p:sldId id="1257" r:id="rId61"/>
-    <p:sldId id="1260" r:id="rId62"/>
-    <p:sldId id="1261" r:id="rId63"/>
-    <p:sldId id="300" r:id="rId64"/>
-    <p:sldId id="264" r:id="rId65"/>
-    <p:sldId id="270" r:id="rId66"/>
-    <p:sldId id="271" r:id="rId67"/>
+    <p:sldId id="1263" r:id="rId42"/>
+    <p:sldId id="1239" r:id="rId43"/>
+    <p:sldId id="1241" r:id="rId44"/>
+    <p:sldId id="1221" r:id="rId45"/>
+    <p:sldId id="1240" r:id="rId46"/>
+    <p:sldId id="1222" r:id="rId47"/>
+    <p:sldId id="1224" r:id="rId48"/>
+    <p:sldId id="1243" r:id="rId49"/>
+    <p:sldId id="1247" r:id="rId50"/>
+    <p:sldId id="1258" r:id="rId51"/>
+    <p:sldId id="1248" r:id="rId52"/>
+    <p:sldId id="1249" r:id="rId53"/>
+    <p:sldId id="1251" r:id="rId54"/>
+    <p:sldId id="1252" r:id="rId55"/>
+    <p:sldId id="1253" r:id="rId56"/>
+    <p:sldId id="1246" r:id="rId57"/>
+    <p:sldId id="1256" r:id="rId58"/>
+    <p:sldId id="1255" r:id="rId59"/>
+    <p:sldId id="1259" r:id="rId60"/>
+    <p:sldId id="1262" r:id="rId61"/>
+    <p:sldId id="1257" r:id="rId62"/>
+    <p:sldId id="1260" r:id="rId63"/>
+    <p:sldId id="1261" r:id="rId64"/>
+    <p:sldId id="300" r:id="rId65"/>
+    <p:sldId id="264" r:id="rId66"/>
+    <p:sldId id="270" r:id="rId67"/>
+    <p:sldId id="271" r:id="rId68"/>
   </p:sldIdLst>
   <p:sldSz cx="9144000" cy="5143500" type="screen16x9"/>
   <p:notesSz cx="6858000" cy="9144000"/>
@@ -3221,7 +3222,7 @@
           <a:p>
             <a:fld id="{58D4EF5B-ECC8-43EE-A509-D601DDF42AD0}" type="slidenum">
               <a:rPr lang="en-US" smtClean="0"/>
-              <a:t>33</a:t>
+              <a:t>34</a:t>
             </a:fld>
             <a:endParaRPr lang="en-US"/>
           </a:p>
@@ -17787,31 +17788,15 @@
             </a:pPr>
             <a:r>
               <a:rPr lang="pl-PL" dirty="0" err="1"/>
-              <a:t>Synchronising</a:t>
+              <a:t>Working</a:t>
             </a:r>
             <a:r>
               <a:rPr lang="pl-PL" dirty="0"/>
-              <a:t> </a:t>
+              <a:t> on </a:t>
             </a:r>
             <a:r>
               <a:rPr lang="pl-PL" dirty="0" err="1"/>
-              <a:t>local</a:t>
-            </a:r>
-            <a:r>
-              <a:rPr lang="pl-PL" dirty="0"/>
-              <a:t> and </a:t>
-            </a:r>
-            <a:r>
-              <a:rPr lang="pl-PL" dirty="0" err="1"/>
-              <a:t>remote</a:t>
-            </a:r>
-            <a:r>
-              <a:rPr lang="pl-PL" dirty="0"/>
-              <a:t>  </a:t>
-            </a:r>
-            <a:r>
-              <a:rPr lang="pl-PL" dirty="0" err="1"/>
-              <a:t>repository</a:t>
+              <a:t>branches</a:t>
             </a:r>
             <a:endParaRPr lang="pl-PL" dirty="0"/>
           </a:p>
@@ -17822,15 +17807,31 @@
             </a:pPr>
             <a:r>
               <a:rPr lang="pl-PL" dirty="0" err="1"/>
-              <a:t>Working</a:t>
+              <a:t>Synchronising</a:t>
             </a:r>
             <a:r>
               <a:rPr lang="pl-PL" dirty="0"/>
-              <a:t> on </a:t>
+              <a:t> </a:t>
             </a:r>
             <a:r>
               <a:rPr lang="pl-PL" dirty="0" err="1"/>
-              <a:t>branches</a:t>
+              <a:t>local</a:t>
+            </a:r>
+            <a:r>
+              <a:rPr lang="pl-PL" dirty="0"/>
+              <a:t> and </a:t>
+            </a:r>
+            <a:r>
+              <a:rPr lang="pl-PL" dirty="0" err="1"/>
+              <a:t>remote</a:t>
+            </a:r>
+            <a:r>
+              <a:rPr lang="pl-PL" dirty="0"/>
+              <a:t> </a:t>
+            </a:r>
+            <a:r>
+              <a:rPr lang="pl-PL" dirty="0" err="1"/>
+              <a:t>repository</a:t>
             </a:r>
             <a:endParaRPr lang="pl-PL" dirty="0"/>
           </a:p>
@@ -23421,31 +23422,15 @@
           <a:p>
             <a:r>
               <a:rPr lang="pl-PL" dirty="0" err="1"/>
-              <a:t>Rebasing</a:t>
+              <a:t>Rebase</a:t>
             </a:r>
             <a:r>
               <a:rPr lang="pl-PL" dirty="0"/>
-              <a:t> </a:t>
+              <a:t> vs </a:t>
             </a:r>
             <a:r>
               <a:rPr lang="pl-PL" dirty="0" err="1"/>
-              <a:t>changes</a:t>
-            </a:r>
-            <a:r>
-              <a:rPr lang="pl-PL" dirty="0"/>
-              <a:t> </a:t>
-            </a:r>
-            <a:r>
-              <a:rPr lang="pl-PL" dirty="0" err="1"/>
-              <a:t>between</a:t>
-            </a:r>
-            <a:r>
-              <a:rPr lang="pl-PL" dirty="0"/>
-              <a:t> </a:t>
-            </a:r>
-            <a:r>
-              <a:rPr lang="pl-PL" dirty="0" err="1"/>
-              <a:t>branches</a:t>
+              <a:t>merge</a:t>
             </a:r>
             <a:endParaRPr lang="en-US" dirty="0"/>
           </a:p>
@@ -23479,287 +23464,6 @@
           </a:bodyPr>
           <a:lstStyle/>
           <a:p>
-            <a:r>
-              <a:rPr lang="pl-PL" sz="3000" b="1" dirty="0">
-                <a:latin typeface="Consolas" panose="020B0609020204030204" pitchFamily="49" charset="0"/>
-              </a:rPr>
-              <a:t>git </a:t>
-            </a:r>
-            <a:r>
-              <a:rPr lang="pl-PL" sz="3000" b="1" dirty="0" err="1">
-                <a:latin typeface="Consolas" panose="020B0609020204030204" pitchFamily="49" charset="0"/>
-              </a:rPr>
-              <a:t>rebase</a:t>
-            </a:r>
-            <a:r>
-              <a:rPr lang="pl-PL" sz="3000" b="1" dirty="0">
-                <a:latin typeface="Consolas" panose="020B0609020204030204" pitchFamily="49" charset="0"/>
-              </a:rPr>
-              <a:t> – </a:t>
-            </a:r>
-            <a:r>
-              <a:rPr lang="pl-PL" sz="2500" dirty="0" err="1">
-                <a:latin typeface="Consolas" panose="020B0609020204030204" pitchFamily="49" charset="0"/>
-              </a:rPr>
-              <a:t>integrates</a:t>
-            </a:r>
-            <a:r>
-              <a:rPr lang="pl-PL" sz="2500" dirty="0">
-                <a:latin typeface="Consolas" panose="020B0609020204030204" pitchFamily="49" charset="0"/>
-              </a:rPr>
-              <a:t> </a:t>
-            </a:r>
-            <a:r>
-              <a:rPr lang="pl-PL" sz="2500" dirty="0" err="1">
-                <a:latin typeface="Consolas" panose="020B0609020204030204" pitchFamily="49" charset="0"/>
-              </a:rPr>
-              <a:t>two</a:t>
-            </a:r>
-            <a:r>
-              <a:rPr lang="pl-PL" sz="2500" dirty="0">
-                <a:latin typeface="Consolas" panose="020B0609020204030204" pitchFamily="49" charset="0"/>
-              </a:rPr>
-              <a:t> </a:t>
-            </a:r>
-            <a:r>
-              <a:rPr lang="pl-PL" sz="2500" dirty="0" err="1">
-                <a:latin typeface="Consolas" panose="020B0609020204030204" pitchFamily="49" charset="0"/>
-              </a:rPr>
-              <a:t>or</a:t>
-            </a:r>
-            <a:r>
-              <a:rPr lang="pl-PL" sz="2500" dirty="0">
-                <a:latin typeface="Consolas" panose="020B0609020204030204" pitchFamily="49" charset="0"/>
-              </a:rPr>
-              <a:t> </a:t>
-            </a:r>
-            <a:r>
-              <a:rPr lang="pl-PL" sz="2500" dirty="0" err="1">
-                <a:latin typeface="Consolas" panose="020B0609020204030204" pitchFamily="49" charset="0"/>
-              </a:rPr>
-              <a:t>more</a:t>
-            </a:r>
-            <a:r>
-              <a:rPr lang="pl-PL" sz="2500" dirty="0">
-                <a:latin typeface="Consolas" panose="020B0609020204030204" pitchFamily="49" charset="0"/>
-              </a:rPr>
-              <a:t> development </a:t>
-            </a:r>
-            <a:r>
-              <a:rPr lang="pl-PL" sz="2500" dirty="0" err="1">
-                <a:latin typeface="Consolas" panose="020B0609020204030204" pitchFamily="49" charset="0"/>
-              </a:rPr>
-              <a:t>branches</a:t>
-            </a:r>
-            <a:r>
-              <a:rPr lang="pl-PL" sz="2500" dirty="0">
-                <a:latin typeface="Consolas" panose="020B0609020204030204" pitchFamily="49" charset="0"/>
-              </a:rPr>
-              <a:t> by </a:t>
-            </a:r>
-            <a:r>
-              <a:rPr lang="pl-PL" sz="2500" dirty="0" err="1">
-                <a:latin typeface="Consolas" panose="020B0609020204030204" pitchFamily="49" charset="0"/>
-              </a:rPr>
-              <a:t>reapplying</a:t>
-            </a:r>
-            <a:r>
-              <a:rPr lang="pl-PL" sz="2500" dirty="0">
-                <a:latin typeface="Consolas" panose="020B0609020204030204" pitchFamily="49" charset="0"/>
-              </a:rPr>
-              <a:t> </a:t>
-            </a:r>
-            <a:r>
-              <a:rPr lang="pl-PL" sz="2500" dirty="0" err="1">
-                <a:latin typeface="Consolas" panose="020B0609020204030204" pitchFamily="49" charset="0"/>
-              </a:rPr>
-              <a:t>commits</a:t>
-            </a:r>
-            <a:r>
-              <a:rPr lang="pl-PL" sz="2500" dirty="0">
-                <a:latin typeface="Consolas" panose="020B0609020204030204" pitchFamily="49" charset="0"/>
-              </a:rPr>
-              <a:t> on top</a:t>
-            </a:r>
-          </a:p>
-          <a:p>
-            <a:endParaRPr lang="pl-PL" sz="600" dirty="0"/>
-          </a:p>
-          <a:p>
-            <a:pPr marL="342900" indent="-342900">
-              <a:buFont typeface="Arial" panose="020B0604020202020204" pitchFamily="34" charset="0"/>
-              <a:buChar char="•"/>
-            </a:pPr>
-            <a:r>
-              <a:rPr lang="pl-PL" sz="2400" b="1" dirty="0">
-                <a:latin typeface="Consolas" panose="020B0609020204030204" pitchFamily="49" charset="0"/>
-              </a:rPr>
-              <a:t>git </a:t>
-            </a:r>
-            <a:r>
-              <a:rPr lang="pl-PL" sz="2400" b="1" dirty="0" err="1">
-                <a:latin typeface="Consolas" panose="020B0609020204030204" pitchFamily="49" charset="0"/>
-              </a:rPr>
-              <a:t>rebase</a:t>
-            </a:r>
-            <a:r>
-              <a:rPr lang="pl-PL" sz="2400" b="1" dirty="0">
-                <a:latin typeface="Consolas" panose="020B0609020204030204" pitchFamily="49" charset="0"/>
-              </a:rPr>
-              <a:t> </a:t>
-            </a:r>
-            <a:r>
-              <a:rPr lang="pl-PL" sz="2400" b="1" dirty="0" err="1">
-                <a:latin typeface="Consolas" panose="020B0609020204030204" pitchFamily="49" charset="0"/>
-              </a:rPr>
-              <a:t>gitIntro</a:t>
-            </a:r>
-            <a:endParaRPr lang="pl-PL" sz="2400" b="1" dirty="0">
-              <a:latin typeface="Consolas" panose="020B0609020204030204" pitchFamily="49" charset="0"/>
-            </a:endParaRPr>
-          </a:p>
-          <a:p>
-            <a:r>
-              <a:rPr lang="pl-PL" sz="2200" dirty="0" err="1"/>
-              <a:t>Issued</a:t>
-            </a:r>
-            <a:r>
-              <a:rPr lang="pl-PL" sz="2200" dirty="0"/>
-              <a:t> on master </a:t>
-            </a:r>
-            <a:r>
-              <a:rPr lang="pl-PL" sz="2200" dirty="0" err="1"/>
-              <a:t>branch</a:t>
-            </a:r>
-            <a:r>
-              <a:rPr lang="pl-PL" sz="2200" dirty="0"/>
-              <a:t> </a:t>
-            </a:r>
-            <a:r>
-              <a:rPr lang="pl-PL" sz="2200" dirty="0" err="1"/>
-              <a:t>merge</a:t>
-            </a:r>
-            <a:r>
-              <a:rPr lang="pl-PL" sz="2200" dirty="0"/>
-              <a:t> </a:t>
-            </a:r>
-            <a:r>
-              <a:rPr lang="pl-PL" sz="2200" dirty="0" err="1"/>
-              <a:t>schanges</a:t>
-            </a:r>
-            <a:r>
-              <a:rPr lang="pl-PL" sz="2200" dirty="0"/>
-              <a:t> from </a:t>
-            </a:r>
-            <a:r>
-              <a:rPr lang="pl-PL" sz="2200" dirty="0" err="1"/>
-              <a:t>myBranch</a:t>
-            </a:r>
-            <a:r>
-              <a:rPr lang="pl-PL" sz="2200" dirty="0"/>
-              <a:t> to master</a:t>
-            </a:r>
-          </a:p>
-          <a:p>
-            <a:endParaRPr lang="pl-PL" sz="1000" b="1" dirty="0"/>
-          </a:p>
-          <a:p>
-            <a:pPr marL="342900" indent="-342900">
-              <a:buFont typeface="Arial" panose="020B0604020202020204" pitchFamily="34" charset="0"/>
-              <a:buChar char="•"/>
-            </a:pPr>
-            <a:r>
-              <a:rPr lang="pl-PL" sz="2400" b="1" dirty="0">
-                <a:latin typeface="Consolas" panose="020B0609020204030204" pitchFamily="49" charset="0"/>
-              </a:rPr>
-              <a:t>git </a:t>
-            </a:r>
-            <a:r>
-              <a:rPr lang="pl-PL" sz="2400" b="1" dirty="0" err="1">
-                <a:latin typeface="Consolas" panose="020B0609020204030204" pitchFamily="49" charset="0"/>
-              </a:rPr>
-              <a:t>rebase</a:t>
-            </a:r>
-            <a:r>
-              <a:rPr lang="pl-PL" sz="2400" b="1" dirty="0">
-                <a:latin typeface="Consolas" panose="020B0609020204030204" pitchFamily="49" charset="0"/>
-              </a:rPr>
-              <a:t> –i </a:t>
-            </a:r>
-            <a:r>
-              <a:rPr lang="pl-PL" sz="2400" b="1" dirty="0" err="1">
-                <a:latin typeface="Consolas" panose="020B0609020204030204" pitchFamily="49" charset="0"/>
-              </a:rPr>
-              <a:t>gitIntro</a:t>
-            </a:r>
-            <a:endParaRPr lang="pl-PL" sz="2400" b="1" dirty="0">
-              <a:latin typeface="Consolas" panose="020B0609020204030204" pitchFamily="49" charset="0"/>
-            </a:endParaRPr>
-          </a:p>
-          <a:p>
-            <a:r>
-              <a:rPr lang="pl-PL" sz="2200" dirty="0" err="1"/>
-              <a:t>Opens</a:t>
-            </a:r>
-            <a:r>
-              <a:rPr lang="pl-PL" sz="2200" dirty="0"/>
-              <a:t> the </a:t>
-            </a:r>
-            <a:r>
-              <a:rPr lang="pl-PL" sz="2200" dirty="0" err="1"/>
-              <a:t>editor</a:t>
-            </a:r>
-            <a:r>
-              <a:rPr lang="pl-PL" sz="2200" dirty="0"/>
-              <a:t> and </a:t>
-            </a:r>
-            <a:r>
-              <a:rPr lang="pl-PL" sz="2200" dirty="0" err="1"/>
-              <a:t>lists</a:t>
-            </a:r>
-            <a:r>
-              <a:rPr lang="pl-PL" sz="2200" dirty="0"/>
-              <a:t> </a:t>
-            </a:r>
-            <a:r>
-              <a:rPr lang="pl-PL" sz="2200" dirty="0" err="1"/>
-              <a:t>all</a:t>
-            </a:r>
-            <a:r>
-              <a:rPr lang="pl-PL" sz="2200" dirty="0"/>
-              <a:t> the </a:t>
-            </a:r>
-            <a:r>
-              <a:rPr lang="pl-PL" sz="2200" dirty="0" err="1"/>
-              <a:t>commits</a:t>
-            </a:r>
-            <a:r>
-              <a:rPr lang="pl-PL" sz="2200" dirty="0"/>
-              <a:t> </a:t>
-            </a:r>
-            <a:r>
-              <a:rPr lang="pl-PL" sz="2200" dirty="0" err="1"/>
-              <a:t>that</a:t>
-            </a:r>
-            <a:r>
-              <a:rPr lang="pl-PL" sz="2200" dirty="0"/>
-              <a:t> </a:t>
-            </a:r>
-            <a:r>
-              <a:rPr lang="pl-PL" sz="2200" dirty="0" err="1"/>
-              <a:t>are</a:t>
-            </a:r>
-            <a:r>
-              <a:rPr lang="pl-PL" sz="2200" dirty="0"/>
-              <a:t> to be </a:t>
-            </a:r>
-            <a:r>
-              <a:rPr lang="pl-PL" sz="2200" dirty="0" err="1"/>
-              <a:t>moved</a:t>
-            </a:r>
-            <a:endParaRPr lang="pl-PL" sz="2200" dirty="0"/>
-          </a:p>
-          <a:p>
             <a:endParaRPr lang="pl-PL" sz="5400" b="1" dirty="0">
               <a:latin typeface="Consolas" panose="020B0609020204030204" pitchFamily="49" charset="0"/>
               <a:cs typeface="Consolas" panose="020B0609020204030204" pitchFamily="49" charset="0"/>
@@ -23791,10 +23495,40 @@
           </a:p>
         </p:txBody>
       </p:sp>
+      <p:pic>
+        <p:nvPicPr>
+          <p:cNvPr id="2" name="Picture 1">
+            <a:extLst>
+              <a:ext uri="{FF2B5EF4-FFF2-40B4-BE49-F238E27FC236}">
+                <a16:creationId xmlns:a16="http://schemas.microsoft.com/office/drawing/2014/main" id="{E3B10179-874F-44FB-98A7-648EF1EDA953}"/>
+              </a:ext>
+            </a:extLst>
+          </p:cNvPr>
+          <p:cNvPicPr>
+            <a:picLocks noChangeAspect="1"/>
+          </p:cNvPicPr>
+          <p:nvPr/>
+        </p:nvPicPr>
+        <p:blipFill>
+          <a:blip r:embed="rId2"/>
+          <a:stretch>
+            <a:fillRect/>
+          </a:stretch>
+        </p:blipFill>
+        <p:spPr>
+          <a:xfrm>
+            <a:off x="595312" y="752475"/>
+            <a:ext cx="7953375" cy="3638550"/>
+          </a:xfrm>
+          <a:prstGeom prst="rect">
+            <a:avLst/>
+          </a:prstGeom>
+        </p:spPr>
+      </p:pic>
     </p:spTree>
     <p:extLst>
       <p:ext uri="{BB962C8B-B14F-4D97-AF65-F5344CB8AC3E}">
-        <p14:creationId xmlns:p14="http://schemas.microsoft.com/office/powerpoint/2010/main" val="4268939436"/>
+        <p14:creationId xmlns:p14="http://schemas.microsoft.com/office/powerpoint/2010/main" val="2876459427"/>
       </p:ext>
     </p:extLst>
   </p:cSld>
@@ -23903,54 +23637,287 @@
           <a:lstStyle/>
           <a:p>
             <a:r>
-              <a:rPr lang="pl-PL" sz="2400" dirty="0" err="1">
+              <a:rPr lang="pl-PL" sz="3000" b="1" dirty="0">
                 <a:latin typeface="Consolas" panose="020B0609020204030204" pitchFamily="49" charset="0"/>
               </a:rPr>
-              <a:t>Rebase</a:t>
-            </a:r>
-            <a:r>
-              <a:rPr lang="pl-PL" sz="2400" dirty="0">
+              <a:t>git </a:t>
+            </a:r>
+            <a:r>
+              <a:rPr lang="pl-PL" sz="3000" b="1" dirty="0" err="1">
                 <a:latin typeface="Consolas" panose="020B0609020204030204" pitchFamily="49" charset="0"/>
               </a:rPr>
+              <a:t>rebase</a:t>
+            </a:r>
+            <a:r>
+              <a:rPr lang="pl-PL" sz="3000" b="1" dirty="0">
+                <a:latin typeface="Consolas" panose="020B0609020204030204" pitchFamily="49" charset="0"/>
+              </a:rPr>
+              <a:t> – </a:t>
+            </a:r>
+            <a:r>
+              <a:rPr lang="pl-PL" sz="2500" dirty="0" err="1">
+                <a:latin typeface="Consolas" panose="020B0609020204030204" pitchFamily="49" charset="0"/>
+              </a:rPr>
+              <a:t>integrates</a:t>
+            </a:r>
+            <a:r>
+              <a:rPr lang="pl-PL" sz="2500" dirty="0">
+                <a:latin typeface="Consolas" panose="020B0609020204030204" pitchFamily="49" charset="0"/>
+              </a:rPr>
               <a:t> </a:t>
             </a:r>
             <a:r>
-              <a:rPr lang="pl-PL" sz="2400" dirty="0" err="1">
+              <a:rPr lang="pl-PL" sz="2500" dirty="0" err="1">
                 <a:latin typeface="Consolas" panose="020B0609020204030204" pitchFamily="49" charset="0"/>
               </a:rPr>
-              <a:t>feature</a:t>
-            </a:r>
-            <a:r>
-              <a:rPr lang="pl-PL" sz="2400" dirty="0">
+              <a:t>two</a:t>
+            </a:r>
+            <a:r>
+              <a:rPr lang="pl-PL" sz="2500" dirty="0">
                 <a:latin typeface="Consolas" panose="020B0609020204030204" pitchFamily="49" charset="0"/>
               </a:rPr>
               <a:t> </a:t>
             </a:r>
             <a:r>
-              <a:rPr lang="pl-PL" sz="2400" dirty="0" err="1">
+              <a:rPr lang="pl-PL" sz="2500" dirty="0" err="1">
                 <a:latin typeface="Consolas" panose="020B0609020204030204" pitchFamily="49" charset="0"/>
               </a:rPr>
+              <a:t>or</a:t>
+            </a:r>
+            <a:r>
+              <a:rPr lang="pl-PL" sz="2500" dirty="0">
+                <a:latin typeface="Consolas" panose="020B0609020204030204" pitchFamily="49" charset="0"/>
+              </a:rPr>
+              <a:t> </a:t>
+            </a:r>
+            <a:r>
+              <a:rPr lang="pl-PL" sz="2500" dirty="0" err="1">
+                <a:latin typeface="Consolas" panose="020B0609020204030204" pitchFamily="49" charset="0"/>
+              </a:rPr>
+              <a:t>more</a:t>
+            </a:r>
+            <a:r>
+              <a:rPr lang="pl-PL" sz="2500" dirty="0">
+                <a:latin typeface="Consolas" panose="020B0609020204030204" pitchFamily="49" charset="0"/>
+              </a:rPr>
+              <a:t> development </a:t>
+            </a:r>
+            <a:r>
+              <a:rPr lang="pl-PL" sz="2500" dirty="0" err="1">
+                <a:latin typeface="Consolas" panose="020B0609020204030204" pitchFamily="49" charset="0"/>
+              </a:rPr>
+              <a:t>branches</a:t>
+            </a:r>
+            <a:r>
+              <a:rPr lang="pl-PL" sz="2500" dirty="0">
+                <a:latin typeface="Consolas" panose="020B0609020204030204" pitchFamily="49" charset="0"/>
+              </a:rPr>
+              <a:t> by </a:t>
+            </a:r>
+            <a:r>
+              <a:rPr lang="pl-PL" sz="2500" dirty="0" err="1">
+                <a:latin typeface="Consolas" panose="020B0609020204030204" pitchFamily="49" charset="0"/>
+              </a:rPr>
+              <a:t>reapplying</a:t>
+            </a:r>
+            <a:r>
+              <a:rPr lang="pl-PL" sz="2500" dirty="0">
+                <a:latin typeface="Consolas" panose="020B0609020204030204" pitchFamily="49" charset="0"/>
+              </a:rPr>
+              <a:t> </a:t>
+            </a:r>
+            <a:r>
+              <a:rPr lang="pl-PL" sz="2500" dirty="0" err="1">
+                <a:latin typeface="Consolas" panose="020B0609020204030204" pitchFamily="49" charset="0"/>
+              </a:rPr>
+              <a:t>commits</a:t>
+            </a:r>
+            <a:r>
+              <a:rPr lang="pl-PL" sz="2500" dirty="0">
+                <a:latin typeface="Consolas" panose="020B0609020204030204" pitchFamily="49" charset="0"/>
+              </a:rPr>
+              <a:t> on top</a:t>
+            </a:r>
+          </a:p>
+          <a:p>
+            <a:endParaRPr lang="pl-PL" sz="600" dirty="0"/>
+          </a:p>
+          <a:p>
+            <a:pPr marL="342900" indent="-342900">
+              <a:buFont typeface="Arial" panose="020B0604020202020204" pitchFamily="34" charset="0"/>
+              <a:buChar char="•"/>
+            </a:pPr>
+            <a:r>
+              <a:rPr lang="pl-PL" sz="2400" b="1" dirty="0">
+                <a:latin typeface="Consolas" panose="020B0609020204030204" pitchFamily="49" charset="0"/>
+              </a:rPr>
+              <a:t>git </a:t>
+            </a:r>
+            <a:r>
+              <a:rPr lang="pl-PL" sz="2400" b="1" dirty="0" err="1">
+                <a:latin typeface="Consolas" panose="020B0609020204030204" pitchFamily="49" charset="0"/>
+              </a:rPr>
+              <a:t>rebase</a:t>
+            </a:r>
+            <a:r>
+              <a:rPr lang="pl-PL" sz="2400" b="1" dirty="0">
+                <a:latin typeface="Consolas" panose="020B0609020204030204" pitchFamily="49" charset="0"/>
+              </a:rPr>
+              <a:t> </a:t>
+            </a:r>
+            <a:r>
+              <a:rPr lang="pl-PL" sz="2400" b="1" dirty="0" err="1">
+                <a:latin typeface="Consolas" panose="020B0609020204030204" pitchFamily="49" charset="0"/>
+              </a:rPr>
+              <a:t>gitIntro</a:t>
+            </a:r>
+            <a:endParaRPr lang="pl-PL" sz="2400" b="1" dirty="0">
+              <a:latin typeface="Consolas" panose="020B0609020204030204" pitchFamily="49" charset="0"/>
+            </a:endParaRPr>
+          </a:p>
+          <a:p>
+            <a:r>
+              <a:rPr lang="pl-PL" sz="2200" dirty="0" err="1"/>
+              <a:t>Issued</a:t>
+            </a:r>
+            <a:r>
+              <a:rPr lang="pl-PL" sz="2200" dirty="0"/>
+              <a:t> on master </a:t>
+            </a:r>
+            <a:r>
+              <a:rPr lang="pl-PL" sz="2200" dirty="0" err="1"/>
               <a:t>branch</a:t>
             </a:r>
             <a:r>
-              <a:rPr lang="pl-PL" sz="2400" dirty="0">
+              <a:rPr lang="pl-PL" sz="2200" dirty="0"/>
+              <a:t> </a:t>
+            </a:r>
+            <a:r>
+              <a:rPr lang="pl-PL" sz="2200" dirty="0" err="1"/>
+              <a:t>merge</a:t>
+            </a:r>
+            <a:r>
+              <a:rPr lang="pl-PL" sz="2200" dirty="0"/>
+              <a:t> </a:t>
+            </a:r>
+            <a:r>
+              <a:rPr lang="pl-PL" sz="2200" dirty="0" err="1"/>
+              <a:t>schanges</a:t>
+            </a:r>
+            <a:r>
+              <a:rPr lang="pl-PL" sz="2200" dirty="0"/>
+              <a:t> from </a:t>
+            </a:r>
+            <a:r>
+              <a:rPr lang="pl-PL" sz="2200" dirty="0" err="1"/>
+              <a:t>myBranch</a:t>
+            </a:r>
+            <a:r>
+              <a:rPr lang="pl-PL" sz="2200" dirty="0"/>
+              <a:t> to master</a:t>
+            </a:r>
+          </a:p>
+          <a:p>
+            <a:endParaRPr lang="pl-PL" sz="1000" b="1" dirty="0"/>
+          </a:p>
+          <a:p>
+            <a:pPr marL="342900" indent="-342900">
+              <a:buFont typeface="Arial" panose="020B0604020202020204" pitchFamily="34" charset="0"/>
+              <a:buChar char="•"/>
+            </a:pPr>
+            <a:r>
+              <a:rPr lang="pl-PL" sz="2400" b="1" dirty="0">
                 <a:latin typeface="Consolas" panose="020B0609020204030204" pitchFamily="49" charset="0"/>
               </a:rPr>
+              <a:t>git </a:t>
+            </a:r>
+            <a:r>
+              <a:rPr lang="pl-PL" sz="2400" b="1" dirty="0" err="1">
+                <a:latin typeface="Consolas" panose="020B0609020204030204" pitchFamily="49" charset="0"/>
+              </a:rPr>
+              <a:t>rebase</a:t>
+            </a:r>
+            <a:r>
+              <a:rPr lang="pl-PL" sz="2400" b="1" dirty="0">
+                <a:latin typeface="Consolas" panose="020B0609020204030204" pitchFamily="49" charset="0"/>
+              </a:rPr>
+              <a:t> –i </a:t>
+            </a:r>
+            <a:r>
+              <a:rPr lang="pl-PL" sz="2400" b="1" dirty="0" err="1">
+                <a:latin typeface="Consolas" panose="020B0609020204030204" pitchFamily="49" charset="0"/>
+              </a:rPr>
+              <a:t>gitIntro</a:t>
+            </a:r>
+            <a:endParaRPr lang="pl-PL" sz="2400" b="1" dirty="0">
+              <a:latin typeface="Consolas" panose="020B0609020204030204" pitchFamily="49" charset="0"/>
+            </a:endParaRPr>
+          </a:p>
+          <a:p>
+            <a:r>
+              <a:rPr lang="pl-PL" sz="2200" dirty="0" err="1"/>
+              <a:t>Opens</a:t>
+            </a:r>
+            <a:r>
+              <a:rPr lang="pl-PL" sz="2200" dirty="0"/>
+              <a:t> the </a:t>
+            </a:r>
+            <a:r>
+              <a:rPr lang="pl-PL" sz="2200" dirty="0" err="1"/>
+              <a:t>editor</a:t>
+            </a:r>
+            <a:r>
+              <a:rPr lang="pl-PL" sz="2200" dirty="0"/>
+              <a:t> and </a:t>
+            </a:r>
+            <a:r>
+              <a:rPr lang="pl-PL" sz="2200" dirty="0" err="1"/>
+              <a:t>lists</a:t>
+            </a:r>
+            <a:r>
+              <a:rPr lang="pl-PL" sz="2200" dirty="0"/>
               <a:t> </a:t>
             </a:r>
             <a:r>
-              <a:rPr lang="pl-PL" sz="2400" dirty="0" err="1">
-                <a:latin typeface="Consolas" panose="020B0609020204030204" pitchFamily="49" charset="0"/>
-              </a:rPr>
-              <a:t>into</a:t>
-            </a:r>
-            <a:r>
-              <a:rPr lang="pl-PL" sz="2400" dirty="0">
-                <a:latin typeface="Consolas" panose="020B0609020204030204" pitchFamily="49" charset="0"/>
-              </a:rPr>
-              <a:t> master</a:t>
-            </a:r>
-            <a:endParaRPr lang="pl-PL" sz="2400" dirty="0">
+              <a:rPr lang="pl-PL" sz="2200" dirty="0" err="1"/>
+              <a:t>all</a:t>
+            </a:r>
+            <a:r>
+              <a:rPr lang="pl-PL" sz="2200" dirty="0"/>
+              <a:t> the </a:t>
+            </a:r>
+            <a:r>
+              <a:rPr lang="pl-PL" sz="2200" dirty="0" err="1"/>
+              <a:t>commits</a:t>
+            </a:r>
+            <a:r>
+              <a:rPr lang="pl-PL" sz="2200" dirty="0"/>
+              <a:t> </a:t>
+            </a:r>
+            <a:r>
+              <a:rPr lang="pl-PL" sz="2200" dirty="0" err="1"/>
+              <a:t>that</a:t>
+            </a:r>
+            <a:r>
+              <a:rPr lang="pl-PL" sz="2200" dirty="0"/>
+              <a:t> </a:t>
+            </a:r>
+            <a:r>
+              <a:rPr lang="pl-PL" sz="2200" dirty="0" err="1"/>
+              <a:t>are</a:t>
+            </a:r>
+            <a:r>
+              <a:rPr lang="pl-PL" sz="2200" dirty="0"/>
+              <a:t> to be </a:t>
+            </a:r>
+            <a:r>
+              <a:rPr lang="pl-PL" sz="2200" dirty="0" err="1"/>
+              <a:t>moved</a:t>
+            </a:r>
+            <a:endParaRPr lang="pl-PL" sz="2200" dirty="0"/>
+          </a:p>
+          <a:p>
+            <a:endParaRPr lang="pl-PL" sz="5400" b="1" dirty="0">
               <a:latin typeface="Consolas" panose="020B0609020204030204" pitchFamily="49" charset="0"/>
               <a:cs typeface="Consolas" panose="020B0609020204030204" pitchFamily="49" charset="0"/>
             </a:endParaRPr>
@@ -23981,40 +23948,10 @@
           </a:p>
         </p:txBody>
       </p:sp>
-      <p:pic>
-        <p:nvPicPr>
-          <p:cNvPr id="2" name="Picture 1">
-            <a:extLst>
-              <a:ext uri="{FF2B5EF4-FFF2-40B4-BE49-F238E27FC236}">
-                <a16:creationId xmlns:a16="http://schemas.microsoft.com/office/drawing/2014/main" id="{D83B0E1E-BA82-46A3-BC32-6683DA9F4B11}"/>
-              </a:ext>
-            </a:extLst>
-          </p:cNvPr>
-          <p:cNvPicPr>
-            <a:picLocks noChangeAspect="1"/>
-          </p:cNvPicPr>
-          <p:nvPr/>
-        </p:nvPicPr>
-        <p:blipFill>
-          <a:blip r:embed="rId2"/>
-          <a:stretch>
-            <a:fillRect/>
-          </a:stretch>
-        </p:blipFill>
-        <p:spPr>
-          <a:xfrm>
-            <a:off x="585818" y="1390493"/>
-            <a:ext cx="7583815" cy="2118136"/>
-          </a:xfrm>
-          <a:prstGeom prst="rect">
-            <a:avLst/>
-          </a:prstGeom>
-        </p:spPr>
-      </p:pic>
     </p:spTree>
     <p:extLst>
       <p:ext uri="{BB962C8B-B14F-4D97-AF65-F5344CB8AC3E}">
-        <p14:creationId xmlns:p14="http://schemas.microsoft.com/office/powerpoint/2010/main" val="219586015"/>
+        <p14:creationId xmlns:p14="http://schemas.microsoft.com/office/powerpoint/2010/main" val="4268939436"/>
       </p:ext>
     </p:extLst>
   </p:cSld>
@@ -24064,7 +24001,7 @@
           <a:p>
             <a:r>
               <a:rPr lang="pl-PL" dirty="0" err="1"/>
-              <a:t>Merging</a:t>
+              <a:t>Rebasing</a:t>
             </a:r>
             <a:r>
               <a:rPr lang="pl-PL" dirty="0"/>
@@ -24118,371 +24055,59 @@
         </p:spPr>
         <p:txBody>
           <a:bodyPr>
-            <a:normAutofit fontScale="47500" lnSpcReduction="20000"/>
+            <a:normAutofit/>
           </a:bodyPr>
           <a:lstStyle/>
           <a:p>
             <a:r>
-              <a:rPr lang="pl-PL" sz="4400" b="1" dirty="0">
+              <a:rPr lang="pl-PL" sz="2400" dirty="0" err="1">
                 <a:latin typeface="Consolas" panose="020B0609020204030204" pitchFamily="49" charset="0"/>
-                <a:cs typeface="Consolas" panose="020B0609020204030204" pitchFamily="49" charset="0"/>
-              </a:rPr>
-              <a:t>git </a:t>
-            </a:r>
-            <a:r>
-              <a:rPr lang="pl-PL" sz="4400" b="1" dirty="0" err="1"/>
-              <a:t>merge</a:t>
-            </a:r>
-            <a:r>
-              <a:rPr lang="pl-PL" sz="4400" b="1" dirty="0"/>
+              </a:rPr>
+              <a:t>Rebase</a:t>
+            </a:r>
+            <a:r>
+              <a:rPr lang="pl-PL" sz="2400" dirty="0">
+                <a:latin typeface="Consolas" panose="020B0609020204030204" pitchFamily="49" charset="0"/>
+              </a:rPr>
               <a:t> </a:t>
             </a:r>
             <a:r>
-              <a:rPr lang="pl-PL" sz="4400" dirty="0">
-                <a:cs typeface="Consolas" panose="020B0609020204030204" pitchFamily="49" charset="0"/>
-              </a:rPr>
-              <a:t>– </a:t>
-            </a:r>
-            <a:r>
-              <a:rPr lang="pl-PL" sz="4400" dirty="0" err="1">
-                <a:cs typeface="Consolas" panose="020B0609020204030204" pitchFamily="49" charset="0"/>
-              </a:rPr>
-              <a:t>integrates</a:t>
-            </a:r>
-            <a:r>
-              <a:rPr lang="pl-PL" sz="4400" dirty="0">
-                <a:cs typeface="Consolas" panose="020B0609020204030204" pitchFamily="49" charset="0"/>
+              <a:rPr lang="pl-PL" sz="2400" dirty="0" err="1">
+                <a:latin typeface="Consolas" panose="020B0609020204030204" pitchFamily="49" charset="0"/>
+              </a:rPr>
+              <a:t>feature</a:t>
+            </a:r>
+            <a:r>
+              <a:rPr lang="pl-PL" sz="2400" dirty="0">
+                <a:latin typeface="Consolas" panose="020B0609020204030204" pitchFamily="49" charset="0"/>
               </a:rPr>
               <a:t> </a:t>
             </a:r>
             <a:r>
-              <a:rPr lang="pl-PL" sz="4400" dirty="0" err="1">
-                <a:cs typeface="Consolas" panose="020B0609020204030204" pitchFamily="49" charset="0"/>
-              </a:rPr>
-              <a:t>two</a:t>
-            </a:r>
-            <a:r>
-              <a:rPr lang="pl-PL" sz="4400" dirty="0">
-                <a:cs typeface="Consolas" panose="020B0609020204030204" pitchFamily="49" charset="0"/>
+              <a:rPr lang="pl-PL" sz="2400" dirty="0" err="1">
+                <a:latin typeface="Consolas" panose="020B0609020204030204" pitchFamily="49" charset="0"/>
+              </a:rPr>
+              <a:t>branch</a:t>
+            </a:r>
+            <a:r>
+              <a:rPr lang="pl-PL" sz="2400" dirty="0">
+                <a:latin typeface="Consolas" panose="020B0609020204030204" pitchFamily="49" charset="0"/>
               </a:rPr>
               <a:t> </a:t>
             </a:r>
             <a:r>
-              <a:rPr lang="pl-PL" sz="4400" dirty="0" err="1">
-                <a:cs typeface="Consolas" panose="020B0609020204030204" pitchFamily="49" charset="0"/>
-              </a:rPr>
-              <a:t>or</a:t>
-            </a:r>
-            <a:r>
-              <a:rPr lang="pl-PL" sz="4400" dirty="0">
-                <a:cs typeface="Consolas" panose="020B0609020204030204" pitchFamily="49" charset="0"/>
-              </a:rPr>
-              <a:t> </a:t>
-            </a:r>
-            <a:r>
-              <a:rPr lang="pl-PL" sz="4400" dirty="0" err="1">
-                <a:cs typeface="Consolas" panose="020B0609020204030204" pitchFamily="49" charset="0"/>
-              </a:rPr>
-              <a:t>more</a:t>
-            </a:r>
-            <a:r>
-              <a:rPr lang="pl-PL" sz="4400" dirty="0">
-                <a:cs typeface="Consolas" panose="020B0609020204030204" pitchFamily="49" charset="0"/>
-              </a:rPr>
-              <a:t> development </a:t>
-            </a:r>
-            <a:r>
-              <a:rPr lang="pl-PL" sz="4400" dirty="0" err="1">
-                <a:cs typeface="Consolas" panose="020B0609020204030204" pitchFamily="49" charset="0"/>
-              </a:rPr>
-              <a:t>branches</a:t>
-            </a:r>
-            <a:endParaRPr lang="pl-PL" sz="4400" dirty="0">
-              <a:cs typeface="Consolas" panose="020B0609020204030204" pitchFamily="49" charset="0"/>
-            </a:endParaRPr>
-          </a:p>
-          <a:p>
-            <a:endParaRPr lang="pl-PL" sz="3200" dirty="0"/>
-          </a:p>
-          <a:p>
-            <a:endParaRPr lang="pl-PL" sz="600" dirty="0"/>
-          </a:p>
-          <a:p>
-            <a:pPr marL="342900" indent="-342900">
-              <a:buFont typeface="Arial" panose="020B0604020202020204" pitchFamily="34" charset="0"/>
-              <a:buChar char="•"/>
-            </a:pPr>
-            <a:r>
-              <a:rPr lang="pl-PL" sz="4400" b="1" dirty="0">
+              <a:rPr lang="pl-PL" sz="2400" dirty="0" err="1">
                 <a:latin typeface="Consolas" panose="020B0609020204030204" pitchFamily="49" charset="0"/>
               </a:rPr>
-              <a:t>git </a:t>
-            </a:r>
-            <a:r>
-              <a:rPr lang="pl-PL" sz="4400" b="1" dirty="0" err="1">
+              <a:t>into</a:t>
+            </a:r>
+            <a:r>
+              <a:rPr lang="pl-PL" sz="2400" dirty="0">
                 <a:latin typeface="Consolas" panose="020B0609020204030204" pitchFamily="49" charset="0"/>
               </a:rPr>
-              <a:t>merge</a:t>
-            </a:r>
-            <a:r>
-              <a:rPr lang="pl-PL" sz="4400" b="1" dirty="0">
-                <a:latin typeface="Consolas" panose="020B0609020204030204" pitchFamily="49" charset="0"/>
-              </a:rPr>
-              <a:t> </a:t>
-            </a:r>
-            <a:r>
-              <a:rPr lang="pl-PL" sz="4400" b="1" dirty="0" err="1">
-                <a:latin typeface="Consolas" panose="020B0609020204030204" pitchFamily="49" charset="0"/>
-              </a:rPr>
-              <a:t>gitIntro</a:t>
-            </a:r>
-            <a:endParaRPr lang="pl-PL" sz="4400" b="1" dirty="0">
-              <a:latin typeface="Consolas" panose="020B0609020204030204" pitchFamily="49" charset="0"/>
-            </a:endParaRPr>
-          </a:p>
-          <a:p>
-            <a:r>
-              <a:rPr lang="pl-PL" sz="4400" dirty="0" err="1"/>
-              <a:t>Issued</a:t>
-            </a:r>
-            <a:r>
-              <a:rPr lang="pl-PL" sz="4400" dirty="0"/>
-              <a:t> on master </a:t>
-            </a:r>
-            <a:r>
-              <a:rPr lang="pl-PL" sz="4400" dirty="0" err="1"/>
-              <a:t>branch</a:t>
-            </a:r>
-            <a:r>
-              <a:rPr lang="pl-PL" sz="4400" dirty="0"/>
-              <a:t> </a:t>
-            </a:r>
-            <a:r>
-              <a:rPr lang="pl-PL" sz="4400" dirty="0" err="1"/>
-              <a:t>merge</a:t>
-            </a:r>
-            <a:r>
-              <a:rPr lang="pl-PL" sz="4400" dirty="0"/>
-              <a:t> </a:t>
-            </a:r>
-            <a:r>
-              <a:rPr lang="pl-PL" sz="4400" dirty="0" err="1"/>
-              <a:t>schanges</a:t>
-            </a:r>
-            <a:r>
-              <a:rPr lang="pl-PL" sz="4400" dirty="0"/>
-              <a:t> from </a:t>
-            </a:r>
-            <a:r>
-              <a:rPr lang="pl-PL" sz="4400" dirty="0" err="1"/>
-              <a:t>myBranch</a:t>
-            </a:r>
-            <a:r>
-              <a:rPr lang="pl-PL" sz="4400" dirty="0"/>
-              <a:t> to master</a:t>
-            </a:r>
-          </a:p>
-          <a:p>
-            <a:endParaRPr lang="pl-PL" sz="1000" b="1" dirty="0"/>
-          </a:p>
-          <a:p>
-            <a:pPr marL="342900" indent="-342900">
-              <a:buFont typeface="Arial" panose="020B0604020202020204" pitchFamily="34" charset="0"/>
-              <a:buChar char="•"/>
-            </a:pPr>
-            <a:r>
-              <a:rPr lang="pl-PL" sz="4400" b="1" dirty="0">
-                <a:latin typeface="Consolas" panose="020B0609020204030204" pitchFamily="49" charset="0"/>
-              </a:rPr>
-              <a:t>git </a:t>
-            </a:r>
-            <a:r>
-              <a:rPr lang="pl-PL" sz="4400" b="1" dirty="0" err="1">
-                <a:latin typeface="Consolas" panose="020B0609020204030204" pitchFamily="49" charset="0"/>
-              </a:rPr>
-              <a:t>merge</a:t>
-            </a:r>
-            <a:r>
-              <a:rPr lang="pl-PL" sz="4400" b="1" dirty="0">
-                <a:latin typeface="Consolas" panose="020B0609020204030204" pitchFamily="49" charset="0"/>
-              </a:rPr>
               <a:t> master</a:t>
             </a:r>
-          </a:p>
-          <a:p>
-            <a:r>
-              <a:rPr lang="pl-PL" sz="4400" dirty="0" err="1"/>
-              <a:t>Issued</a:t>
-            </a:r>
-            <a:r>
-              <a:rPr lang="pl-PL" sz="4400" dirty="0"/>
-              <a:t> on myBranch_1 </a:t>
-            </a:r>
-            <a:r>
-              <a:rPr lang="pl-PL" sz="4400" dirty="0" err="1"/>
-              <a:t>merges</a:t>
-            </a:r>
-            <a:r>
-              <a:rPr lang="pl-PL" sz="4400" dirty="0"/>
-              <a:t> </a:t>
-            </a:r>
-            <a:r>
-              <a:rPr lang="pl-PL" sz="4400" dirty="0" err="1"/>
-              <a:t>changes</a:t>
-            </a:r>
-            <a:r>
-              <a:rPr lang="pl-PL" sz="4400" dirty="0"/>
-              <a:t> from master to </a:t>
-            </a:r>
-            <a:r>
-              <a:rPr lang="pl-PL" sz="4400" dirty="0" err="1"/>
-              <a:t>myBranch</a:t>
-            </a:r>
-            <a:r>
-              <a:rPr lang="pl-PL" sz="4400" dirty="0"/>
-              <a:t> </a:t>
-            </a:r>
-          </a:p>
-          <a:p>
-            <a:endParaRPr lang="pl-PL" sz="1000" b="1" dirty="0">
-              <a:latin typeface="Consolas" panose="020B0609020204030204" pitchFamily="49" charset="0"/>
-              <a:cs typeface="Consolas" panose="020B0609020204030204" pitchFamily="49" charset="0"/>
-            </a:endParaRPr>
-          </a:p>
-          <a:p>
-            <a:pPr marL="342900" indent="-342900">
-              <a:buFont typeface="Arial" panose="020B0604020202020204" pitchFamily="34" charset="0"/>
-              <a:buChar char="•"/>
-            </a:pPr>
-            <a:r>
-              <a:rPr lang="pl-PL" sz="4400" b="1" dirty="0">
-                <a:latin typeface="Consolas" panose="020B0609020204030204" pitchFamily="49" charset="0"/>
-              </a:rPr>
-              <a:t>git </a:t>
-            </a:r>
-            <a:r>
-              <a:rPr lang="pl-PL" sz="4400" b="1" dirty="0" err="1">
-                <a:latin typeface="Consolas" panose="020B0609020204030204" pitchFamily="49" charset="0"/>
-              </a:rPr>
-              <a:t>merge</a:t>
-            </a:r>
-            <a:r>
-              <a:rPr lang="pl-PL" sz="4400" b="1" dirty="0">
-                <a:latin typeface="Consolas" panose="020B0609020204030204" pitchFamily="49" charset="0"/>
-              </a:rPr>
-              <a:t> -–abort</a:t>
-            </a:r>
-          </a:p>
-          <a:p>
-            <a:r>
-              <a:rPr lang="pl-PL" sz="4400" dirty="0" err="1"/>
-              <a:t>Aborts</a:t>
-            </a:r>
-            <a:r>
-              <a:rPr lang="pl-PL" sz="4400" dirty="0"/>
-              <a:t> the </a:t>
-            </a:r>
-            <a:r>
-              <a:rPr lang="pl-PL" sz="4400" dirty="0" err="1"/>
-              <a:t>merge</a:t>
-            </a:r>
-            <a:r>
-              <a:rPr lang="pl-PL" sz="4400" dirty="0"/>
-              <a:t> </a:t>
-            </a:r>
-            <a:r>
-              <a:rPr lang="pl-PL" sz="4400" dirty="0" err="1"/>
-              <a:t>operation</a:t>
-            </a:r>
-            <a:r>
-              <a:rPr lang="pl-PL" sz="4400" dirty="0"/>
-              <a:t> (</a:t>
-            </a:r>
-            <a:r>
-              <a:rPr lang="pl-PL" sz="4400" dirty="0" err="1"/>
-              <a:t>if</a:t>
-            </a:r>
-            <a:r>
-              <a:rPr lang="pl-PL" sz="4400" dirty="0"/>
-              <a:t> </a:t>
-            </a:r>
-            <a:r>
-              <a:rPr lang="pl-PL" sz="4400" dirty="0" err="1"/>
-              <a:t>already</a:t>
-            </a:r>
-            <a:r>
-              <a:rPr lang="pl-PL" sz="4400" dirty="0"/>
-              <a:t> </a:t>
-            </a:r>
-            <a:r>
-              <a:rPr lang="pl-PL" sz="4400" dirty="0" err="1"/>
-              <a:t>running</a:t>
-            </a:r>
-            <a:r>
-              <a:rPr lang="pl-PL" sz="4400" dirty="0"/>
-              <a:t>)</a:t>
-            </a:r>
-          </a:p>
-          <a:p>
-            <a:endParaRPr lang="pl-PL" sz="1000" b="1" dirty="0">
-              <a:latin typeface="Consolas" panose="020B0609020204030204" pitchFamily="49" charset="0"/>
-              <a:cs typeface="Consolas" panose="020B0609020204030204" pitchFamily="49" charset="0"/>
-            </a:endParaRPr>
-          </a:p>
-          <a:p>
-            <a:pPr marL="342900" indent="-342900">
-              <a:buFont typeface="Arial" panose="020B0604020202020204" pitchFamily="34" charset="0"/>
-              <a:buChar char="•"/>
-            </a:pPr>
-            <a:r>
-              <a:rPr lang="pl-PL" sz="4400" b="1" dirty="0">
-                <a:latin typeface="Consolas" panose="020B0609020204030204" pitchFamily="49" charset="0"/>
-              </a:rPr>
-              <a:t>git </a:t>
-            </a:r>
-            <a:r>
-              <a:rPr lang="pl-PL" sz="4400" b="1" dirty="0" err="1">
-                <a:latin typeface="Consolas" panose="020B0609020204030204" pitchFamily="49" charset="0"/>
-              </a:rPr>
-              <a:t>mergetool</a:t>
-            </a:r>
-            <a:endParaRPr lang="pl-PL" sz="4400" b="1" dirty="0">
-              <a:latin typeface="Consolas" panose="020B0609020204030204" pitchFamily="49" charset="0"/>
-            </a:endParaRPr>
-          </a:p>
-          <a:p>
-            <a:r>
-              <a:rPr lang="pl-PL" sz="4400" dirty="0" err="1"/>
-              <a:t>Opens</a:t>
-            </a:r>
-            <a:r>
-              <a:rPr lang="pl-PL" sz="4400" dirty="0"/>
-              <a:t> </a:t>
-            </a:r>
-            <a:r>
-              <a:rPr lang="pl-PL" sz="4400" dirty="0" err="1"/>
-              <a:t>mergetool</a:t>
-            </a:r>
-            <a:r>
-              <a:rPr lang="pl-PL" sz="4400" dirty="0"/>
-              <a:t> to </a:t>
-            </a:r>
-            <a:r>
-              <a:rPr lang="pl-PL" sz="4400" dirty="0" err="1"/>
-              <a:t>perform</a:t>
-            </a:r>
-            <a:r>
-              <a:rPr lang="pl-PL" sz="4400" dirty="0"/>
-              <a:t> the </a:t>
-            </a:r>
-            <a:r>
-              <a:rPr lang="pl-PL" sz="4400" dirty="0" err="1"/>
-              <a:t>merge</a:t>
-            </a:r>
-            <a:endParaRPr lang="pl-PL" sz="4400" dirty="0"/>
-          </a:p>
-          <a:p>
-            <a:endParaRPr lang="pl-PL" sz="5400" b="1" dirty="0">
+            <a:endParaRPr lang="pl-PL" sz="2400" dirty="0">
               <a:latin typeface="Consolas" panose="020B0609020204030204" pitchFamily="49" charset="0"/>
               <a:cs typeface="Consolas" panose="020B0609020204030204" pitchFamily="49" charset="0"/>
             </a:endParaRPr>
@@ -24513,10 +24138,40 @@
           </a:p>
         </p:txBody>
       </p:sp>
+      <p:pic>
+        <p:nvPicPr>
+          <p:cNvPr id="2" name="Picture 1">
+            <a:extLst>
+              <a:ext uri="{FF2B5EF4-FFF2-40B4-BE49-F238E27FC236}">
+                <a16:creationId xmlns:a16="http://schemas.microsoft.com/office/drawing/2014/main" id="{D83B0E1E-BA82-46A3-BC32-6683DA9F4B11}"/>
+              </a:ext>
+            </a:extLst>
+          </p:cNvPr>
+          <p:cNvPicPr>
+            <a:picLocks noChangeAspect="1"/>
+          </p:cNvPicPr>
+          <p:nvPr/>
+        </p:nvPicPr>
+        <p:blipFill>
+          <a:blip r:embed="rId2"/>
+          <a:stretch>
+            <a:fillRect/>
+          </a:stretch>
+        </p:blipFill>
+        <p:spPr>
+          <a:xfrm>
+            <a:off x="585818" y="1390493"/>
+            <a:ext cx="7583815" cy="2118136"/>
+          </a:xfrm>
+          <a:prstGeom prst="rect">
+            <a:avLst/>
+          </a:prstGeom>
+        </p:spPr>
+      </p:pic>
     </p:spTree>
     <p:extLst>
       <p:ext uri="{BB962C8B-B14F-4D97-AF65-F5344CB8AC3E}">
-        <p14:creationId xmlns:p14="http://schemas.microsoft.com/office/powerpoint/2010/main" val="1863018931"/>
+        <p14:creationId xmlns:p14="http://schemas.microsoft.com/office/powerpoint/2010/main" val="219586015"/>
       </p:ext>
     </p:extLst>
   </p:cSld>
@@ -24620,6 +24275,508 @@
         </p:spPr>
         <p:txBody>
           <a:bodyPr>
+            <a:normAutofit fontScale="47500" lnSpcReduction="20000"/>
+          </a:bodyPr>
+          <a:lstStyle/>
+          <a:p>
+            <a:r>
+              <a:rPr lang="pl-PL" sz="4400" b="1" dirty="0">
+                <a:latin typeface="Consolas" panose="020B0609020204030204" pitchFamily="49" charset="0"/>
+                <a:cs typeface="Consolas" panose="020B0609020204030204" pitchFamily="49" charset="0"/>
+              </a:rPr>
+              <a:t>git </a:t>
+            </a:r>
+            <a:r>
+              <a:rPr lang="pl-PL" sz="4400" b="1" dirty="0" err="1"/>
+              <a:t>merge</a:t>
+            </a:r>
+            <a:r>
+              <a:rPr lang="pl-PL" sz="4400" b="1" dirty="0"/>
+              <a:t> </a:t>
+            </a:r>
+            <a:r>
+              <a:rPr lang="pl-PL" sz="4400" dirty="0">
+                <a:cs typeface="Consolas" panose="020B0609020204030204" pitchFamily="49" charset="0"/>
+              </a:rPr>
+              <a:t>– </a:t>
+            </a:r>
+            <a:r>
+              <a:rPr lang="pl-PL" sz="4400" dirty="0" err="1">
+                <a:cs typeface="Consolas" panose="020B0609020204030204" pitchFamily="49" charset="0"/>
+              </a:rPr>
+              <a:t>integrates</a:t>
+            </a:r>
+            <a:r>
+              <a:rPr lang="pl-PL" sz="4400" dirty="0">
+                <a:cs typeface="Consolas" panose="020B0609020204030204" pitchFamily="49" charset="0"/>
+              </a:rPr>
+              <a:t> </a:t>
+            </a:r>
+            <a:r>
+              <a:rPr lang="pl-PL" sz="4400" dirty="0" err="1">
+                <a:cs typeface="Consolas" panose="020B0609020204030204" pitchFamily="49" charset="0"/>
+              </a:rPr>
+              <a:t>two</a:t>
+            </a:r>
+            <a:r>
+              <a:rPr lang="pl-PL" sz="4400" dirty="0">
+                <a:cs typeface="Consolas" panose="020B0609020204030204" pitchFamily="49" charset="0"/>
+              </a:rPr>
+              <a:t> </a:t>
+            </a:r>
+            <a:r>
+              <a:rPr lang="pl-PL" sz="4400" dirty="0" err="1">
+                <a:cs typeface="Consolas" panose="020B0609020204030204" pitchFamily="49" charset="0"/>
+              </a:rPr>
+              <a:t>or</a:t>
+            </a:r>
+            <a:r>
+              <a:rPr lang="pl-PL" sz="4400" dirty="0">
+                <a:cs typeface="Consolas" panose="020B0609020204030204" pitchFamily="49" charset="0"/>
+              </a:rPr>
+              <a:t> </a:t>
+            </a:r>
+            <a:r>
+              <a:rPr lang="pl-PL" sz="4400" dirty="0" err="1">
+                <a:cs typeface="Consolas" panose="020B0609020204030204" pitchFamily="49" charset="0"/>
+              </a:rPr>
+              <a:t>more</a:t>
+            </a:r>
+            <a:r>
+              <a:rPr lang="pl-PL" sz="4400" dirty="0">
+                <a:cs typeface="Consolas" panose="020B0609020204030204" pitchFamily="49" charset="0"/>
+              </a:rPr>
+              <a:t> development </a:t>
+            </a:r>
+            <a:r>
+              <a:rPr lang="pl-PL" sz="4400" dirty="0" err="1">
+                <a:cs typeface="Consolas" panose="020B0609020204030204" pitchFamily="49" charset="0"/>
+              </a:rPr>
+              <a:t>branches</a:t>
+            </a:r>
+            <a:endParaRPr lang="pl-PL" sz="4400" dirty="0">
+              <a:cs typeface="Consolas" panose="020B0609020204030204" pitchFamily="49" charset="0"/>
+            </a:endParaRPr>
+          </a:p>
+          <a:p>
+            <a:endParaRPr lang="pl-PL" sz="3200" dirty="0"/>
+          </a:p>
+          <a:p>
+            <a:endParaRPr lang="pl-PL" sz="600" dirty="0"/>
+          </a:p>
+          <a:p>
+            <a:pPr marL="342900" indent="-342900">
+              <a:buFont typeface="Arial" panose="020B0604020202020204" pitchFamily="34" charset="0"/>
+              <a:buChar char="•"/>
+            </a:pPr>
+            <a:r>
+              <a:rPr lang="pl-PL" sz="4400" b="1" dirty="0">
+                <a:latin typeface="Consolas" panose="020B0609020204030204" pitchFamily="49" charset="0"/>
+              </a:rPr>
+              <a:t>git </a:t>
+            </a:r>
+            <a:r>
+              <a:rPr lang="pl-PL" sz="4400" b="1" dirty="0" err="1">
+                <a:latin typeface="Consolas" panose="020B0609020204030204" pitchFamily="49" charset="0"/>
+              </a:rPr>
+              <a:t>merge</a:t>
+            </a:r>
+            <a:r>
+              <a:rPr lang="pl-PL" sz="4400" b="1" dirty="0">
+                <a:latin typeface="Consolas" panose="020B0609020204030204" pitchFamily="49" charset="0"/>
+              </a:rPr>
+              <a:t> </a:t>
+            </a:r>
+            <a:r>
+              <a:rPr lang="pl-PL" sz="4400" b="1" dirty="0" err="1">
+                <a:latin typeface="Consolas" panose="020B0609020204030204" pitchFamily="49" charset="0"/>
+              </a:rPr>
+              <a:t>gitIntro</a:t>
+            </a:r>
+            <a:endParaRPr lang="pl-PL" sz="4400" b="1" dirty="0">
+              <a:latin typeface="Consolas" panose="020B0609020204030204" pitchFamily="49" charset="0"/>
+            </a:endParaRPr>
+          </a:p>
+          <a:p>
+            <a:r>
+              <a:rPr lang="pl-PL" sz="4400" dirty="0" err="1"/>
+              <a:t>Issued</a:t>
+            </a:r>
+            <a:r>
+              <a:rPr lang="pl-PL" sz="4400" dirty="0"/>
+              <a:t> on master </a:t>
+            </a:r>
+            <a:r>
+              <a:rPr lang="pl-PL" sz="4400" dirty="0" err="1"/>
+              <a:t>branch</a:t>
+            </a:r>
+            <a:r>
+              <a:rPr lang="pl-PL" sz="4400" dirty="0"/>
+              <a:t> </a:t>
+            </a:r>
+            <a:r>
+              <a:rPr lang="pl-PL" sz="4400" dirty="0" err="1"/>
+              <a:t>merge</a:t>
+            </a:r>
+            <a:r>
+              <a:rPr lang="pl-PL" sz="4400" dirty="0"/>
+              <a:t> </a:t>
+            </a:r>
+            <a:r>
+              <a:rPr lang="pl-PL" sz="4400" dirty="0" err="1"/>
+              <a:t>schanges</a:t>
+            </a:r>
+            <a:r>
+              <a:rPr lang="pl-PL" sz="4400" dirty="0"/>
+              <a:t> from </a:t>
+            </a:r>
+            <a:r>
+              <a:rPr lang="pl-PL" sz="4400" dirty="0" err="1"/>
+              <a:t>myBranch</a:t>
+            </a:r>
+            <a:r>
+              <a:rPr lang="pl-PL" sz="4400" dirty="0"/>
+              <a:t> to master</a:t>
+            </a:r>
+          </a:p>
+          <a:p>
+            <a:endParaRPr lang="pl-PL" sz="1000" b="1" dirty="0"/>
+          </a:p>
+          <a:p>
+            <a:pPr marL="342900" indent="-342900">
+              <a:buFont typeface="Arial" panose="020B0604020202020204" pitchFamily="34" charset="0"/>
+              <a:buChar char="•"/>
+            </a:pPr>
+            <a:r>
+              <a:rPr lang="pl-PL" sz="4400" b="1" dirty="0">
+                <a:latin typeface="Consolas" panose="020B0609020204030204" pitchFamily="49" charset="0"/>
+              </a:rPr>
+              <a:t>git </a:t>
+            </a:r>
+            <a:r>
+              <a:rPr lang="pl-PL" sz="4400" b="1" dirty="0" err="1">
+                <a:latin typeface="Consolas" panose="020B0609020204030204" pitchFamily="49" charset="0"/>
+              </a:rPr>
+              <a:t>merge</a:t>
+            </a:r>
+            <a:r>
+              <a:rPr lang="pl-PL" sz="4400" b="1" dirty="0">
+                <a:latin typeface="Consolas" panose="020B0609020204030204" pitchFamily="49" charset="0"/>
+              </a:rPr>
+              <a:t> master</a:t>
+            </a:r>
+          </a:p>
+          <a:p>
+            <a:r>
+              <a:rPr lang="pl-PL" sz="4400" dirty="0" err="1"/>
+              <a:t>Issued</a:t>
+            </a:r>
+            <a:r>
+              <a:rPr lang="pl-PL" sz="4400" dirty="0"/>
+              <a:t> on myBranch_1 </a:t>
+            </a:r>
+            <a:r>
+              <a:rPr lang="pl-PL" sz="4400" dirty="0" err="1"/>
+              <a:t>merges</a:t>
+            </a:r>
+            <a:r>
+              <a:rPr lang="pl-PL" sz="4400" dirty="0"/>
+              <a:t> </a:t>
+            </a:r>
+            <a:r>
+              <a:rPr lang="pl-PL" sz="4400" dirty="0" err="1"/>
+              <a:t>changes</a:t>
+            </a:r>
+            <a:r>
+              <a:rPr lang="pl-PL" sz="4400" dirty="0"/>
+              <a:t> from master to </a:t>
+            </a:r>
+            <a:r>
+              <a:rPr lang="pl-PL" sz="4400" dirty="0" err="1"/>
+              <a:t>myBranch</a:t>
+            </a:r>
+            <a:r>
+              <a:rPr lang="pl-PL" sz="4400" dirty="0"/>
+              <a:t> </a:t>
+            </a:r>
+          </a:p>
+          <a:p>
+            <a:endParaRPr lang="pl-PL" sz="1000" b="1" dirty="0">
+              <a:latin typeface="Consolas" panose="020B0609020204030204" pitchFamily="49" charset="0"/>
+              <a:cs typeface="Consolas" panose="020B0609020204030204" pitchFamily="49" charset="0"/>
+            </a:endParaRPr>
+          </a:p>
+          <a:p>
+            <a:pPr marL="342900" indent="-342900">
+              <a:buFont typeface="Arial" panose="020B0604020202020204" pitchFamily="34" charset="0"/>
+              <a:buChar char="•"/>
+            </a:pPr>
+            <a:r>
+              <a:rPr lang="pl-PL" sz="4400" b="1" dirty="0">
+                <a:latin typeface="Consolas" panose="020B0609020204030204" pitchFamily="49" charset="0"/>
+              </a:rPr>
+              <a:t>git </a:t>
+            </a:r>
+            <a:r>
+              <a:rPr lang="pl-PL" sz="4400" b="1" dirty="0" err="1">
+                <a:latin typeface="Consolas" panose="020B0609020204030204" pitchFamily="49" charset="0"/>
+              </a:rPr>
+              <a:t>merge</a:t>
+            </a:r>
+            <a:r>
+              <a:rPr lang="pl-PL" sz="4400" b="1" dirty="0">
+                <a:latin typeface="Consolas" panose="020B0609020204030204" pitchFamily="49" charset="0"/>
+              </a:rPr>
+              <a:t> -–abort</a:t>
+            </a:r>
+          </a:p>
+          <a:p>
+            <a:r>
+              <a:rPr lang="pl-PL" sz="4400" dirty="0" err="1"/>
+              <a:t>Aborts</a:t>
+            </a:r>
+            <a:r>
+              <a:rPr lang="pl-PL" sz="4400" dirty="0"/>
+              <a:t> the </a:t>
+            </a:r>
+            <a:r>
+              <a:rPr lang="pl-PL" sz="4400" dirty="0" err="1"/>
+              <a:t>merge</a:t>
+            </a:r>
+            <a:r>
+              <a:rPr lang="pl-PL" sz="4400" dirty="0"/>
+              <a:t> </a:t>
+            </a:r>
+            <a:r>
+              <a:rPr lang="pl-PL" sz="4400" dirty="0" err="1"/>
+              <a:t>operation</a:t>
+            </a:r>
+            <a:r>
+              <a:rPr lang="pl-PL" sz="4400" dirty="0"/>
+              <a:t> (</a:t>
+            </a:r>
+            <a:r>
+              <a:rPr lang="pl-PL" sz="4400" dirty="0" err="1"/>
+              <a:t>if</a:t>
+            </a:r>
+            <a:r>
+              <a:rPr lang="pl-PL" sz="4400" dirty="0"/>
+              <a:t> </a:t>
+            </a:r>
+            <a:r>
+              <a:rPr lang="pl-PL" sz="4400" dirty="0" err="1"/>
+              <a:t>already</a:t>
+            </a:r>
+            <a:r>
+              <a:rPr lang="pl-PL" sz="4400" dirty="0"/>
+              <a:t> </a:t>
+            </a:r>
+            <a:r>
+              <a:rPr lang="pl-PL" sz="4400" dirty="0" err="1"/>
+              <a:t>running</a:t>
+            </a:r>
+            <a:r>
+              <a:rPr lang="pl-PL" sz="4400" dirty="0"/>
+              <a:t>)</a:t>
+            </a:r>
+          </a:p>
+          <a:p>
+            <a:endParaRPr lang="pl-PL" sz="1000" b="1" dirty="0">
+              <a:latin typeface="Consolas" panose="020B0609020204030204" pitchFamily="49" charset="0"/>
+              <a:cs typeface="Consolas" panose="020B0609020204030204" pitchFamily="49" charset="0"/>
+            </a:endParaRPr>
+          </a:p>
+          <a:p>
+            <a:pPr marL="342900" indent="-342900">
+              <a:buFont typeface="Arial" panose="020B0604020202020204" pitchFamily="34" charset="0"/>
+              <a:buChar char="•"/>
+            </a:pPr>
+            <a:r>
+              <a:rPr lang="pl-PL" sz="4400" b="1" dirty="0">
+                <a:latin typeface="Consolas" panose="020B0609020204030204" pitchFamily="49" charset="0"/>
+              </a:rPr>
+              <a:t>git </a:t>
+            </a:r>
+            <a:r>
+              <a:rPr lang="pl-PL" sz="4400" b="1" dirty="0" err="1">
+                <a:latin typeface="Consolas" panose="020B0609020204030204" pitchFamily="49" charset="0"/>
+              </a:rPr>
+              <a:t>mergetool</a:t>
+            </a:r>
+            <a:endParaRPr lang="pl-PL" sz="4400" b="1" dirty="0">
+              <a:latin typeface="Consolas" panose="020B0609020204030204" pitchFamily="49" charset="0"/>
+            </a:endParaRPr>
+          </a:p>
+          <a:p>
+            <a:r>
+              <a:rPr lang="pl-PL" sz="4400" dirty="0" err="1"/>
+              <a:t>Opens</a:t>
+            </a:r>
+            <a:r>
+              <a:rPr lang="pl-PL" sz="4400" dirty="0"/>
+              <a:t> </a:t>
+            </a:r>
+            <a:r>
+              <a:rPr lang="pl-PL" sz="4400" dirty="0" err="1"/>
+              <a:t>mergetool</a:t>
+            </a:r>
+            <a:r>
+              <a:rPr lang="pl-PL" sz="4400" dirty="0"/>
+              <a:t> to </a:t>
+            </a:r>
+            <a:r>
+              <a:rPr lang="pl-PL" sz="4400" dirty="0" err="1"/>
+              <a:t>perform</a:t>
+            </a:r>
+            <a:r>
+              <a:rPr lang="pl-PL" sz="4400" dirty="0"/>
+              <a:t> the </a:t>
+            </a:r>
+            <a:r>
+              <a:rPr lang="pl-PL" sz="4400" dirty="0" err="1"/>
+              <a:t>merge</a:t>
+            </a:r>
+            <a:endParaRPr lang="pl-PL" sz="4400" dirty="0"/>
+          </a:p>
+          <a:p>
+            <a:endParaRPr lang="pl-PL" sz="5400" b="1" dirty="0">
+              <a:latin typeface="Consolas" panose="020B0609020204030204" pitchFamily="49" charset="0"/>
+              <a:cs typeface="Consolas" panose="020B0609020204030204" pitchFamily="49" charset="0"/>
+            </a:endParaRPr>
+          </a:p>
+          <a:p>
+            <a:endParaRPr lang="pl-PL" sz="3200" dirty="0"/>
+          </a:p>
+          <a:p>
+            <a:endParaRPr lang="en-US" sz="2400" b="1" dirty="0">
+              <a:latin typeface="Consolas" panose="020B0609020204030204" pitchFamily="49" charset="0"/>
+            </a:endParaRPr>
+          </a:p>
+          <a:p>
+            <a:pPr marL="342900" indent="-342900">
+              <a:buFont typeface="Arial" panose="020B0604020202020204" pitchFamily="34" charset="0"/>
+              <a:buChar char="•"/>
+            </a:pPr>
+            <a:endParaRPr lang="en-US" sz="2800" b="1" dirty="0">
+              <a:latin typeface="Consolas" panose="020B0609020204030204" pitchFamily="49" charset="0"/>
+            </a:endParaRPr>
+          </a:p>
+          <a:p>
+            <a:pPr marL="285750" indent="-285750">
+              <a:buFont typeface="Arial" panose="020B0604020202020204" pitchFamily="34" charset="0"/>
+              <a:buChar char="•"/>
+            </a:pPr>
+            <a:endParaRPr lang="en-US" sz="4400" b="1" dirty="0"/>
+          </a:p>
+        </p:txBody>
+      </p:sp>
+    </p:spTree>
+    <p:extLst>
+      <p:ext uri="{BB962C8B-B14F-4D97-AF65-F5344CB8AC3E}">
+        <p14:creationId xmlns:p14="http://schemas.microsoft.com/office/powerpoint/2010/main" val="1863018931"/>
+      </p:ext>
+    </p:extLst>
+  </p:cSld>
+  <p:clrMapOvr>
+    <a:masterClrMapping/>
+  </p:clrMapOvr>
+</p:sld>
+</file>
+
+<file path=ppt/slides/slide34.xml><?xml version="1.0" encoding="utf-8"?>
+<p:sld xmlns:a="http://schemas.openxmlformats.org/drawingml/2006/main" xmlns:r="http://schemas.openxmlformats.org/officeDocument/2006/relationships" xmlns:p="http://schemas.openxmlformats.org/presentationml/2006/main">
+  <p:cSld>
+    <p:spTree>
+      <p:nvGrpSpPr>
+        <p:cNvPr id="1" name=""/>
+        <p:cNvGrpSpPr/>
+        <p:nvPr/>
+      </p:nvGrpSpPr>
+      <p:grpSpPr>
+        <a:xfrm>
+          <a:off x="0" y="0"/>
+          <a:ext cx="0" cy="0"/>
+          <a:chOff x="0" y="0"/>
+          <a:chExt cx="0" cy="0"/>
+        </a:xfrm>
+      </p:grpSpPr>
+      <p:sp>
+        <p:nvSpPr>
+          <p:cNvPr id="4" name="Text Placeholder 3">
+            <a:extLst>
+              <a:ext uri="{FF2B5EF4-FFF2-40B4-BE49-F238E27FC236}">
+                <a16:creationId xmlns:a16="http://schemas.microsoft.com/office/drawing/2014/main" id="{BE9FF795-3EF8-4013-AB23-66D625FE4566}"/>
+              </a:ext>
+            </a:extLst>
+          </p:cNvPr>
+          <p:cNvSpPr>
+            <a:spLocks noGrp="1"/>
+          </p:cNvSpPr>
+          <p:nvPr>
+            <p:ph type="body" sz="quarter" idx="12"/>
+          </p:nvPr>
+        </p:nvSpPr>
+        <p:spPr/>
+        <p:txBody>
+          <a:bodyPr/>
+          <a:lstStyle/>
+          <a:p>
+            <a:r>
+              <a:rPr lang="pl-PL" dirty="0" err="1"/>
+              <a:t>Merging</a:t>
+            </a:r>
+            <a:r>
+              <a:rPr lang="pl-PL" dirty="0"/>
+              <a:t> </a:t>
+            </a:r>
+            <a:r>
+              <a:rPr lang="pl-PL" dirty="0" err="1"/>
+              <a:t>changes</a:t>
+            </a:r>
+            <a:r>
+              <a:rPr lang="pl-PL" dirty="0"/>
+              <a:t> </a:t>
+            </a:r>
+            <a:r>
+              <a:rPr lang="pl-PL" dirty="0" err="1"/>
+              <a:t>between</a:t>
+            </a:r>
+            <a:r>
+              <a:rPr lang="pl-PL" dirty="0"/>
+              <a:t> </a:t>
+            </a:r>
+            <a:r>
+              <a:rPr lang="pl-PL" dirty="0" err="1"/>
+              <a:t>branches</a:t>
+            </a:r>
+            <a:endParaRPr lang="en-US" dirty="0"/>
+          </a:p>
+        </p:txBody>
+      </p:sp>
+      <p:sp>
+        <p:nvSpPr>
+          <p:cNvPr id="5" name="Text Placeholder 4">
+            <a:extLst>
+              <a:ext uri="{FF2B5EF4-FFF2-40B4-BE49-F238E27FC236}">
+                <a16:creationId xmlns:a16="http://schemas.microsoft.com/office/drawing/2014/main" id="{C2D28652-0338-4F61-98F9-5B26337E53A5}"/>
+              </a:ext>
+            </a:extLst>
+          </p:cNvPr>
+          <p:cNvSpPr>
+            <a:spLocks noGrp="1"/>
+          </p:cNvSpPr>
+          <p:nvPr>
+            <p:ph type="body" sz="quarter" idx="13"/>
+          </p:nvPr>
+        </p:nvSpPr>
+        <p:spPr>
+          <a:xfrm>
+            <a:off x="417600" y="735338"/>
+            <a:ext cx="8308800" cy="3560400"/>
+          </a:xfrm>
+        </p:spPr>
+        <p:txBody>
+          <a:bodyPr>
             <a:normAutofit/>
           </a:bodyPr>
           <a:lstStyle/>
@@ -24736,7 +24893,7 @@
 </p:sld>
 </file>
 
-<file path=ppt/slides/slide34.xml><?xml version="1.0" encoding="utf-8"?>
+<file path=ppt/slides/slide35.xml><?xml version="1.0" encoding="utf-8"?>
 <p:sld xmlns:a="http://schemas.openxmlformats.org/drawingml/2006/main" xmlns:r="http://schemas.openxmlformats.org/officeDocument/2006/relationships" xmlns:p="http://schemas.openxmlformats.org/presentationml/2006/main">
   <p:cSld>
     <p:spTree>
@@ -24838,7 +24995,7 @@
 </p:sld>
 </file>
 
-<file path=ppt/slides/slide35.xml><?xml version="1.0" encoding="utf-8"?>
+<file path=ppt/slides/slide36.xml><?xml version="1.0" encoding="utf-8"?>
 <p:sld xmlns:a="http://schemas.openxmlformats.org/drawingml/2006/main" xmlns:r="http://schemas.openxmlformats.org/officeDocument/2006/relationships" xmlns:p="http://schemas.openxmlformats.org/presentationml/2006/main">
   <p:cSld>
     <p:spTree>
@@ -25185,7 +25342,7 @@
 </p:sld>
 </file>
 
-<file path=ppt/slides/slide36.xml><?xml version="1.0" encoding="utf-8"?>
+<file path=ppt/slides/slide37.xml><?xml version="1.0" encoding="utf-8"?>
 <p:sld xmlns:a="http://schemas.openxmlformats.org/drawingml/2006/main" xmlns:r="http://schemas.openxmlformats.org/officeDocument/2006/relationships" xmlns:p="http://schemas.openxmlformats.org/presentationml/2006/main">
   <p:cSld>
     <p:spTree>
@@ -25579,7 +25736,7 @@
 </p:sld>
 </file>
 
-<file path=ppt/slides/slide37.xml><?xml version="1.0" encoding="utf-8"?>
+<file path=ppt/slides/slide38.xml><?xml version="1.0" encoding="utf-8"?>
 <p:sld xmlns:a="http://schemas.openxmlformats.org/drawingml/2006/main" xmlns:r="http://schemas.openxmlformats.org/officeDocument/2006/relationships" xmlns:p="http://schemas.openxmlformats.org/presentationml/2006/main">
   <p:cSld>
     <p:spTree>
@@ -25837,7 +25994,7 @@
 </p:sld>
 </file>
 
-<file path=ppt/slides/slide38.xml><?xml version="1.0" encoding="utf-8"?>
+<file path=ppt/slides/slide39.xml><?xml version="1.0" encoding="utf-8"?>
 <p:sld xmlns:a="http://schemas.openxmlformats.org/drawingml/2006/main" xmlns:r="http://schemas.openxmlformats.org/officeDocument/2006/relationships" xmlns:p="http://schemas.openxmlformats.org/presentationml/2006/main">
   <p:cSld>
     <p:spTree>
@@ -26149,286 +26306,6 @@
     <p:extLst>
       <p:ext uri="{BB962C8B-B14F-4D97-AF65-F5344CB8AC3E}">
         <p14:creationId xmlns:p14="http://schemas.microsoft.com/office/powerpoint/2010/main" val="408413515"/>
-      </p:ext>
-    </p:extLst>
-  </p:cSld>
-  <p:clrMapOvr>
-    <a:masterClrMapping/>
-  </p:clrMapOvr>
-</p:sld>
-</file>
-
-<file path=ppt/slides/slide39.xml><?xml version="1.0" encoding="utf-8"?>
-<p:sld xmlns:a="http://schemas.openxmlformats.org/drawingml/2006/main" xmlns:r="http://schemas.openxmlformats.org/officeDocument/2006/relationships" xmlns:p="http://schemas.openxmlformats.org/presentationml/2006/main">
-  <p:cSld>
-    <p:spTree>
-      <p:nvGrpSpPr>
-        <p:cNvPr id="1" name=""/>
-        <p:cNvGrpSpPr/>
-        <p:nvPr/>
-      </p:nvGrpSpPr>
-      <p:grpSpPr>
-        <a:xfrm>
-          <a:off x="0" y="0"/>
-          <a:ext cx="0" cy="0"/>
-          <a:chOff x="0" y="0"/>
-          <a:chExt cx="0" cy="0"/>
-        </a:xfrm>
-      </p:grpSpPr>
-      <p:sp>
-        <p:nvSpPr>
-          <p:cNvPr id="4" name="Text Placeholder 3">
-            <a:extLst>
-              <a:ext uri="{FF2B5EF4-FFF2-40B4-BE49-F238E27FC236}">
-                <a16:creationId xmlns:a16="http://schemas.microsoft.com/office/drawing/2014/main" id="{BE9FF795-3EF8-4013-AB23-66D625FE4566}"/>
-              </a:ext>
-            </a:extLst>
-          </p:cNvPr>
-          <p:cNvSpPr>
-            <a:spLocks noGrp="1"/>
-          </p:cNvSpPr>
-          <p:nvPr>
-            <p:ph type="body" sz="quarter" idx="12"/>
-          </p:nvPr>
-        </p:nvSpPr>
-        <p:spPr/>
-        <p:txBody>
-          <a:bodyPr/>
-          <a:lstStyle/>
-          <a:p>
-            <a:r>
-              <a:rPr lang="pl-PL" dirty="0" err="1"/>
-              <a:t>Excercise</a:t>
-            </a:r>
-            <a:r>
-              <a:rPr lang="pl-PL" dirty="0"/>
-              <a:t> 3 - Solution</a:t>
-            </a:r>
-            <a:endParaRPr lang="en-US" dirty="0"/>
-          </a:p>
-        </p:txBody>
-      </p:sp>
-      <p:sp>
-        <p:nvSpPr>
-          <p:cNvPr id="5" name="Text Placeholder 4">
-            <a:extLst>
-              <a:ext uri="{FF2B5EF4-FFF2-40B4-BE49-F238E27FC236}">
-                <a16:creationId xmlns:a16="http://schemas.microsoft.com/office/drawing/2014/main" id="{C2D28652-0338-4F61-98F9-5B26337E53A5}"/>
-              </a:ext>
-            </a:extLst>
-          </p:cNvPr>
-          <p:cNvSpPr>
-            <a:spLocks noGrp="1"/>
-          </p:cNvSpPr>
-          <p:nvPr>
-            <p:ph type="body" sz="quarter" idx="13"/>
-          </p:nvPr>
-        </p:nvSpPr>
-        <p:spPr>
-          <a:xfrm>
-            <a:off x="417600" y="735338"/>
-            <a:ext cx="8308800" cy="3560400"/>
-          </a:xfrm>
-        </p:spPr>
-        <p:txBody>
-          <a:bodyPr>
-            <a:normAutofit lnSpcReduction="10000"/>
-          </a:bodyPr>
-          <a:lstStyle/>
-          <a:p>
-            <a:r>
-              <a:rPr lang="pl-PL" sz="1800" dirty="0" err="1"/>
-              <a:t>Check</a:t>
-            </a:r>
-            <a:r>
-              <a:rPr lang="pl-PL" sz="1800" dirty="0"/>
-              <a:t> the </a:t>
-            </a:r>
-            <a:r>
-              <a:rPr lang="pl-PL" sz="1800" dirty="0" err="1"/>
-              <a:t>history</a:t>
-            </a:r>
-            <a:endParaRPr lang="pl-PL" sz="1800" b="1" i="1" dirty="0">
-              <a:latin typeface="Consolas" panose="020B0609020204030204" pitchFamily="49" charset="0"/>
-            </a:endParaRPr>
-          </a:p>
-          <a:p>
-            <a:r>
-              <a:rPr lang="pl-PL" sz="1800" b="1" i="1" dirty="0">
-                <a:latin typeface="Consolas" panose="020B0609020204030204" pitchFamily="49" charset="0"/>
-              </a:rPr>
-              <a:t>$ git log</a:t>
-            </a:r>
-          </a:p>
-          <a:p>
-            <a:endParaRPr lang="pl-PL" sz="1800" dirty="0"/>
-          </a:p>
-          <a:p>
-            <a:endParaRPr lang="pl-PL" sz="1800" dirty="0"/>
-          </a:p>
-          <a:p>
-            <a:endParaRPr lang="pl-PL" sz="3600" dirty="0">
-              <a:cs typeface="Consolas" panose="020B0609020204030204" pitchFamily="49" charset="0"/>
-            </a:endParaRPr>
-          </a:p>
-          <a:p>
-            <a:endParaRPr lang="pl-PL" sz="3500" dirty="0"/>
-          </a:p>
-          <a:p>
-            <a:endParaRPr lang="pl-PL" sz="1800" dirty="0"/>
-          </a:p>
-          <a:p>
-            <a:endParaRPr lang="pl-PL" sz="1800" dirty="0"/>
-          </a:p>
-          <a:p>
-            <a:r>
-              <a:rPr lang="pl-PL" sz="1800" dirty="0" err="1"/>
-              <a:t>Push</a:t>
-            </a:r>
-            <a:r>
-              <a:rPr lang="pl-PL" sz="1800" dirty="0"/>
-              <a:t> the </a:t>
-            </a:r>
-            <a:r>
-              <a:rPr lang="pl-PL" sz="1800" dirty="0" err="1"/>
-              <a:t>changes</a:t>
-            </a:r>
-            <a:r>
-              <a:rPr lang="pl-PL" sz="1800" dirty="0"/>
-              <a:t> </a:t>
-            </a:r>
-            <a:r>
-              <a:rPr lang="pl-PL" sz="1800" dirty="0" err="1"/>
-              <a:t>into</a:t>
-            </a:r>
-            <a:r>
-              <a:rPr lang="pl-PL" sz="1800" dirty="0"/>
-              <a:t> </a:t>
-            </a:r>
-            <a:r>
-              <a:rPr lang="pl-PL" sz="1800" dirty="0" err="1"/>
-              <a:t>your</a:t>
-            </a:r>
-            <a:r>
-              <a:rPr lang="pl-PL" sz="1800" dirty="0"/>
-              <a:t> </a:t>
-            </a:r>
-            <a:r>
-              <a:rPr lang="pl-PL" sz="1800" dirty="0" err="1"/>
-              <a:t>remote</a:t>
-            </a:r>
-            <a:r>
-              <a:rPr lang="pl-PL" sz="1800" dirty="0"/>
-              <a:t> </a:t>
-            </a:r>
-            <a:r>
-              <a:rPr lang="pl-PL" sz="1800" dirty="0" err="1"/>
-              <a:t>repository</a:t>
-            </a:r>
-            <a:endParaRPr lang="pl-PL" sz="1800" b="1" i="1" dirty="0">
-              <a:latin typeface="Consolas" panose="020B0609020204030204" pitchFamily="49" charset="0"/>
-            </a:endParaRPr>
-          </a:p>
-          <a:p>
-            <a:pPr>
-              <a:lnSpc>
-                <a:spcPct val="100000"/>
-              </a:lnSpc>
-            </a:pPr>
-            <a:r>
-              <a:rPr lang="pl-PL" sz="1800" b="1" i="1" dirty="0">
-                <a:latin typeface="Consolas" panose="020B0609020204030204" pitchFamily="49" charset="0"/>
-              </a:rPr>
-              <a:t>$ git </a:t>
-            </a:r>
-            <a:r>
-              <a:rPr lang="pl-PL" sz="1800" b="1" i="1" dirty="0" err="1">
-                <a:latin typeface="Consolas" panose="020B0609020204030204" pitchFamily="49" charset="0"/>
-              </a:rPr>
-              <a:t>push</a:t>
-            </a:r>
-            <a:endParaRPr lang="pl-PL" sz="1800" b="1" i="1" dirty="0">
-              <a:latin typeface="Consolas" panose="020B0609020204030204" pitchFamily="49" charset="0"/>
-            </a:endParaRPr>
-          </a:p>
-          <a:p>
-            <a:endParaRPr lang="pl-PL" sz="4400" b="1" dirty="0">
-              <a:latin typeface="Consolas" panose="020B0609020204030204" pitchFamily="49" charset="0"/>
-              <a:cs typeface="Consolas" panose="020B0609020204030204" pitchFamily="49" charset="0"/>
-            </a:endParaRPr>
-          </a:p>
-          <a:p>
-            <a:endParaRPr lang="pl-PL" sz="2400" dirty="0"/>
-          </a:p>
-          <a:p>
-            <a:endParaRPr lang="en-US" sz="1800" b="1" dirty="0">
-              <a:latin typeface="Consolas" panose="020B0609020204030204" pitchFamily="49" charset="0"/>
-            </a:endParaRPr>
-          </a:p>
-          <a:p>
-            <a:pPr marL="342900" indent="-342900">
-              <a:buFont typeface="Arial" panose="020B0604020202020204" pitchFamily="34" charset="0"/>
-              <a:buChar char="•"/>
-            </a:pPr>
-            <a:endParaRPr lang="en-US" sz="1900" b="1" dirty="0">
-              <a:latin typeface="Consolas" panose="020B0609020204030204" pitchFamily="49" charset="0"/>
-            </a:endParaRPr>
-          </a:p>
-          <a:p>
-            <a:pPr marL="285750" indent="-285750">
-              <a:buFont typeface="Arial" panose="020B0604020202020204" pitchFamily="34" charset="0"/>
-              <a:buChar char="•"/>
-            </a:pPr>
-            <a:endParaRPr lang="en-US" b="1" dirty="0"/>
-          </a:p>
-          <a:p>
-            <a:pPr lvl="0">
-              <a:lnSpc>
-                <a:spcPct val="100000"/>
-              </a:lnSpc>
-            </a:pPr>
-            <a:endParaRPr lang="en-US" dirty="0">
-              <a:solidFill>
-                <a:srgbClr val="001135"/>
-              </a:solidFill>
-            </a:endParaRPr>
-          </a:p>
-        </p:txBody>
-      </p:sp>
-      <p:pic>
-        <p:nvPicPr>
-          <p:cNvPr id="3" name="Picture 2">
-            <a:extLst>
-              <a:ext uri="{FF2B5EF4-FFF2-40B4-BE49-F238E27FC236}">
-                <a16:creationId xmlns:a16="http://schemas.microsoft.com/office/drawing/2014/main" id="{7AE6905C-2517-4418-9F34-80C71992C4CB}"/>
-              </a:ext>
-            </a:extLst>
-          </p:cNvPr>
-          <p:cNvPicPr>
-            <a:picLocks noChangeAspect="1"/>
-          </p:cNvPicPr>
-          <p:nvPr/>
-        </p:nvPicPr>
-        <p:blipFill>
-          <a:blip r:embed="rId2"/>
-          <a:stretch>
-            <a:fillRect/>
-          </a:stretch>
-        </p:blipFill>
-        <p:spPr>
-          <a:xfrm>
-            <a:off x="417600" y="1346882"/>
-            <a:ext cx="6343650" cy="1981200"/>
-          </a:xfrm>
-          <a:prstGeom prst="rect">
-            <a:avLst/>
-          </a:prstGeom>
-        </p:spPr>
-      </p:pic>
-    </p:spTree>
-    <p:extLst>
-      <p:ext uri="{BB962C8B-B14F-4D97-AF65-F5344CB8AC3E}">
-        <p14:creationId xmlns:p14="http://schemas.microsoft.com/office/powerpoint/2010/main" val="2420883579"/>
       </p:ext>
     </p:extLst>
   </p:cSld>
@@ -26875,6 +26752,286 @@
       </p:grpSpPr>
       <p:sp>
         <p:nvSpPr>
+          <p:cNvPr id="4" name="Text Placeholder 3">
+            <a:extLst>
+              <a:ext uri="{FF2B5EF4-FFF2-40B4-BE49-F238E27FC236}">
+                <a16:creationId xmlns:a16="http://schemas.microsoft.com/office/drawing/2014/main" id="{BE9FF795-3EF8-4013-AB23-66D625FE4566}"/>
+              </a:ext>
+            </a:extLst>
+          </p:cNvPr>
+          <p:cNvSpPr>
+            <a:spLocks noGrp="1"/>
+          </p:cNvSpPr>
+          <p:nvPr>
+            <p:ph type="body" sz="quarter" idx="12"/>
+          </p:nvPr>
+        </p:nvSpPr>
+        <p:spPr/>
+        <p:txBody>
+          <a:bodyPr/>
+          <a:lstStyle/>
+          <a:p>
+            <a:r>
+              <a:rPr lang="pl-PL" dirty="0" err="1"/>
+              <a:t>Excercise</a:t>
+            </a:r>
+            <a:r>
+              <a:rPr lang="pl-PL" dirty="0"/>
+              <a:t> 3 - Solution</a:t>
+            </a:r>
+            <a:endParaRPr lang="en-US" dirty="0"/>
+          </a:p>
+        </p:txBody>
+      </p:sp>
+      <p:sp>
+        <p:nvSpPr>
+          <p:cNvPr id="5" name="Text Placeholder 4">
+            <a:extLst>
+              <a:ext uri="{FF2B5EF4-FFF2-40B4-BE49-F238E27FC236}">
+                <a16:creationId xmlns:a16="http://schemas.microsoft.com/office/drawing/2014/main" id="{C2D28652-0338-4F61-98F9-5B26337E53A5}"/>
+              </a:ext>
+            </a:extLst>
+          </p:cNvPr>
+          <p:cNvSpPr>
+            <a:spLocks noGrp="1"/>
+          </p:cNvSpPr>
+          <p:nvPr>
+            <p:ph type="body" sz="quarter" idx="13"/>
+          </p:nvPr>
+        </p:nvSpPr>
+        <p:spPr>
+          <a:xfrm>
+            <a:off x="417600" y="735338"/>
+            <a:ext cx="8308800" cy="3560400"/>
+          </a:xfrm>
+        </p:spPr>
+        <p:txBody>
+          <a:bodyPr>
+            <a:normAutofit lnSpcReduction="10000"/>
+          </a:bodyPr>
+          <a:lstStyle/>
+          <a:p>
+            <a:r>
+              <a:rPr lang="pl-PL" sz="1800" dirty="0" err="1"/>
+              <a:t>Check</a:t>
+            </a:r>
+            <a:r>
+              <a:rPr lang="pl-PL" sz="1800" dirty="0"/>
+              <a:t> the </a:t>
+            </a:r>
+            <a:r>
+              <a:rPr lang="pl-PL" sz="1800" dirty="0" err="1"/>
+              <a:t>history</a:t>
+            </a:r>
+            <a:endParaRPr lang="pl-PL" sz="1800" b="1" i="1" dirty="0">
+              <a:latin typeface="Consolas" panose="020B0609020204030204" pitchFamily="49" charset="0"/>
+            </a:endParaRPr>
+          </a:p>
+          <a:p>
+            <a:r>
+              <a:rPr lang="pl-PL" sz="1800" b="1" i="1" dirty="0">
+                <a:latin typeface="Consolas" panose="020B0609020204030204" pitchFamily="49" charset="0"/>
+              </a:rPr>
+              <a:t>$ git log</a:t>
+            </a:r>
+          </a:p>
+          <a:p>
+            <a:endParaRPr lang="pl-PL" sz="1800" dirty="0"/>
+          </a:p>
+          <a:p>
+            <a:endParaRPr lang="pl-PL" sz="1800" dirty="0"/>
+          </a:p>
+          <a:p>
+            <a:endParaRPr lang="pl-PL" sz="3600" dirty="0">
+              <a:cs typeface="Consolas" panose="020B0609020204030204" pitchFamily="49" charset="0"/>
+            </a:endParaRPr>
+          </a:p>
+          <a:p>
+            <a:endParaRPr lang="pl-PL" sz="3500" dirty="0"/>
+          </a:p>
+          <a:p>
+            <a:endParaRPr lang="pl-PL" sz="1800" dirty="0"/>
+          </a:p>
+          <a:p>
+            <a:endParaRPr lang="pl-PL" sz="1800" dirty="0"/>
+          </a:p>
+          <a:p>
+            <a:r>
+              <a:rPr lang="pl-PL" sz="1800" dirty="0" err="1"/>
+              <a:t>Push</a:t>
+            </a:r>
+            <a:r>
+              <a:rPr lang="pl-PL" sz="1800" dirty="0"/>
+              <a:t> the </a:t>
+            </a:r>
+            <a:r>
+              <a:rPr lang="pl-PL" sz="1800" dirty="0" err="1"/>
+              <a:t>changes</a:t>
+            </a:r>
+            <a:r>
+              <a:rPr lang="pl-PL" sz="1800" dirty="0"/>
+              <a:t> </a:t>
+            </a:r>
+            <a:r>
+              <a:rPr lang="pl-PL" sz="1800" dirty="0" err="1"/>
+              <a:t>into</a:t>
+            </a:r>
+            <a:r>
+              <a:rPr lang="pl-PL" sz="1800" dirty="0"/>
+              <a:t> </a:t>
+            </a:r>
+            <a:r>
+              <a:rPr lang="pl-PL" sz="1800" dirty="0" err="1"/>
+              <a:t>your</a:t>
+            </a:r>
+            <a:r>
+              <a:rPr lang="pl-PL" sz="1800" dirty="0"/>
+              <a:t> </a:t>
+            </a:r>
+            <a:r>
+              <a:rPr lang="pl-PL" sz="1800" dirty="0" err="1"/>
+              <a:t>remote</a:t>
+            </a:r>
+            <a:r>
+              <a:rPr lang="pl-PL" sz="1800" dirty="0"/>
+              <a:t> </a:t>
+            </a:r>
+            <a:r>
+              <a:rPr lang="pl-PL" sz="1800" dirty="0" err="1"/>
+              <a:t>repository</a:t>
+            </a:r>
+            <a:endParaRPr lang="pl-PL" sz="1800" b="1" i="1" dirty="0">
+              <a:latin typeface="Consolas" panose="020B0609020204030204" pitchFamily="49" charset="0"/>
+            </a:endParaRPr>
+          </a:p>
+          <a:p>
+            <a:pPr>
+              <a:lnSpc>
+                <a:spcPct val="100000"/>
+              </a:lnSpc>
+            </a:pPr>
+            <a:r>
+              <a:rPr lang="pl-PL" sz="1800" b="1" i="1" dirty="0">
+                <a:latin typeface="Consolas" panose="020B0609020204030204" pitchFamily="49" charset="0"/>
+              </a:rPr>
+              <a:t>$ git </a:t>
+            </a:r>
+            <a:r>
+              <a:rPr lang="pl-PL" sz="1800" b="1" i="1" dirty="0" err="1">
+                <a:latin typeface="Consolas" panose="020B0609020204030204" pitchFamily="49" charset="0"/>
+              </a:rPr>
+              <a:t>push</a:t>
+            </a:r>
+            <a:endParaRPr lang="pl-PL" sz="1800" b="1" i="1" dirty="0">
+              <a:latin typeface="Consolas" panose="020B0609020204030204" pitchFamily="49" charset="0"/>
+            </a:endParaRPr>
+          </a:p>
+          <a:p>
+            <a:endParaRPr lang="pl-PL" sz="4400" b="1" dirty="0">
+              <a:latin typeface="Consolas" panose="020B0609020204030204" pitchFamily="49" charset="0"/>
+              <a:cs typeface="Consolas" panose="020B0609020204030204" pitchFamily="49" charset="0"/>
+            </a:endParaRPr>
+          </a:p>
+          <a:p>
+            <a:endParaRPr lang="pl-PL" sz="2400" dirty="0"/>
+          </a:p>
+          <a:p>
+            <a:endParaRPr lang="en-US" sz="1800" b="1" dirty="0">
+              <a:latin typeface="Consolas" panose="020B0609020204030204" pitchFamily="49" charset="0"/>
+            </a:endParaRPr>
+          </a:p>
+          <a:p>
+            <a:pPr marL="342900" indent="-342900">
+              <a:buFont typeface="Arial" panose="020B0604020202020204" pitchFamily="34" charset="0"/>
+              <a:buChar char="•"/>
+            </a:pPr>
+            <a:endParaRPr lang="en-US" sz="1900" b="1" dirty="0">
+              <a:latin typeface="Consolas" panose="020B0609020204030204" pitchFamily="49" charset="0"/>
+            </a:endParaRPr>
+          </a:p>
+          <a:p>
+            <a:pPr marL="285750" indent="-285750">
+              <a:buFont typeface="Arial" panose="020B0604020202020204" pitchFamily="34" charset="0"/>
+              <a:buChar char="•"/>
+            </a:pPr>
+            <a:endParaRPr lang="en-US" b="1" dirty="0"/>
+          </a:p>
+          <a:p>
+            <a:pPr lvl="0">
+              <a:lnSpc>
+                <a:spcPct val="100000"/>
+              </a:lnSpc>
+            </a:pPr>
+            <a:endParaRPr lang="en-US" dirty="0">
+              <a:solidFill>
+                <a:srgbClr val="001135"/>
+              </a:solidFill>
+            </a:endParaRPr>
+          </a:p>
+        </p:txBody>
+      </p:sp>
+      <p:pic>
+        <p:nvPicPr>
+          <p:cNvPr id="3" name="Picture 2">
+            <a:extLst>
+              <a:ext uri="{FF2B5EF4-FFF2-40B4-BE49-F238E27FC236}">
+                <a16:creationId xmlns:a16="http://schemas.microsoft.com/office/drawing/2014/main" id="{7AE6905C-2517-4418-9F34-80C71992C4CB}"/>
+              </a:ext>
+            </a:extLst>
+          </p:cNvPr>
+          <p:cNvPicPr>
+            <a:picLocks noChangeAspect="1"/>
+          </p:cNvPicPr>
+          <p:nvPr/>
+        </p:nvPicPr>
+        <p:blipFill>
+          <a:blip r:embed="rId2"/>
+          <a:stretch>
+            <a:fillRect/>
+          </a:stretch>
+        </p:blipFill>
+        <p:spPr>
+          <a:xfrm>
+            <a:off x="417600" y="1346882"/>
+            <a:ext cx="6343650" cy="1981200"/>
+          </a:xfrm>
+          <a:prstGeom prst="rect">
+            <a:avLst/>
+          </a:prstGeom>
+        </p:spPr>
+      </p:pic>
+    </p:spTree>
+    <p:extLst>
+      <p:ext uri="{BB962C8B-B14F-4D97-AF65-F5344CB8AC3E}">
+        <p14:creationId xmlns:p14="http://schemas.microsoft.com/office/powerpoint/2010/main" val="2420883579"/>
+      </p:ext>
+    </p:extLst>
+  </p:cSld>
+  <p:clrMapOvr>
+    <a:masterClrMapping/>
+  </p:clrMapOvr>
+</p:sld>
+</file>
+
+<file path=ppt/slides/slide41.xml><?xml version="1.0" encoding="utf-8"?>
+<p:sld xmlns:a="http://schemas.openxmlformats.org/drawingml/2006/main" xmlns:r="http://schemas.openxmlformats.org/officeDocument/2006/relationships" xmlns:p="http://schemas.openxmlformats.org/presentationml/2006/main">
+  <p:cSld>
+    <p:spTree>
+      <p:nvGrpSpPr>
+        <p:cNvPr id="1" name=""/>
+        <p:cNvGrpSpPr/>
+        <p:nvPr/>
+      </p:nvGrpSpPr>
+      <p:grpSpPr>
+        <a:xfrm>
+          <a:off x="0" y="0"/>
+          <a:ext cx="0" cy="0"/>
+          <a:chOff x="0" y="0"/>
+          <a:chExt cx="0" cy="0"/>
+        </a:xfrm>
+      </p:grpSpPr>
+      <p:sp>
+        <p:nvSpPr>
           <p:cNvPr id="2" name="Text Placeholder 1">
             <a:extLst>
               <a:ext uri="{FF2B5EF4-FFF2-40B4-BE49-F238E27FC236}">
@@ -26958,7 +27115,7 @@
 </p:sld>
 </file>
 
-<file path=ppt/slides/slide41.xml><?xml version="1.0" encoding="utf-8"?>
+<file path=ppt/slides/slide42.xml><?xml version="1.0" encoding="utf-8"?>
 <p:sld xmlns:a="http://schemas.openxmlformats.org/drawingml/2006/main" xmlns:r="http://schemas.openxmlformats.org/officeDocument/2006/relationships" xmlns:p="http://schemas.openxmlformats.org/presentationml/2006/main">
   <p:cSld>
     <p:spTree>
@@ -27465,7 +27622,7 @@
 </p:sld>
 </file>
 
-<file path=ppt/slides/slide42.xml><?xml version="1.0" encoding="utf-8"?>
+<file path=ppt/slides/slide43.xml><?xml version="1.0" encoding="utf-8"?>
 <p:sld xmlns:a="http://schemas.openxmlformats.org/drawingml/2006/main" xmlns:r="http://schemas.openxmlformats.org/officeDocument/2006/relationships" xmlns:p="http://schemas.openxmlformats.org/presentationml/2006/main">
   <p:cSld>
     <p:spTree>
@@ -27863,7 +28020,7 @@
 </p:sld>
 </file>
 
-<file path=ppt/slides/slide43.xml><?xml version="1.0" encoding="utf-8"?>
+<file path=ppt/slides/slide44.xml><?xml version="1.0" encoding="utf-8"?>
 <p:sld xmlns:a="http://schemas.openxmlformats.org/drawingml/2006/main" xmlns:r="http://schemas.openxmlformats.org/officeDocument/2006/relationships" xmlns:p="http://schemas.openxmlformats.org/presentationml/2006/main">
   <p:cSld>
     <p:spTree>
@@ -28237,7 +28394,7 @@
 </p:sld>
 </file>
 
-<file path=ppt/slides/slide44.xml><?xml version="1.0" encoding="utf-8"?>
+<file path=ppt/slides/slide45.xml><?xml version="1.0" encoding="utf-8"?>
 <p:sld xmlns:a="http://schemas.openxmlformats.org/drawingml/2006/main" xmlns:r="http://schemas.openxmlformats.org/officeDocument/2006/relationships" xmlns:p="http://schemas.openxmlformats.org/presentationml/2006/main">
   <p:cSld>
     <p:spTree>
@@ -28601,7 +28758,7 @@
 </p:sld>
 </file>
 
-<file path=ppt/slides/slide45.xml><?xml version="1.0" encoding="utf-8"?>
+<file path=ppt/slides/slide46.xml><?xml version="1.0" encoding="utf-8"?>
 <p:sld xmlns:a="http://schemas.openxmlformats.org/drawingml/2006/main" xmlns:r="http://schemas.openxmlformats.org/officeDocument/2006/relationships" xmlns:p="http://schemas.openxmlformats.org/presentationml/2006/main">
   <p:cSld>
     <p:spTree>
@@ -28962,7 +29119,7 @@
 </p:sld>
 </file>
 
-<file path=ppt/slides/slide46.xml><?xml version="1.0" encoding="utf-8"?>
+<file path=ppt/slides/slide47.xml><?xml version="1.0" encoding="utf-8"?>
 <p:sld xmlns:a="http://schemas.openxmlformats.org/drawingml/2006/main" xmlns:r="http://schemas.openxmlformats.org/officeDocument/2006/relationships" xmlns:p="http://schemas.openxmlformats.org/presentationml/2006/main">
   <p:cSld>
     <p:spTree>
@@ -29208,7 +29365,7 @@
 </p:sld>
 </file>
 
-<file path=ppt/slides/slide47.xml><?xml version="1.0" encoding="utf-8"?>
+<file path=ppt/slides/slide48.xml><?xml version="1.0" encoding="utf-8"?>
 <p:sld xmlns:a="http://schemas.openxmlformats.org/drawingml/2006/main" xmlns:r="http://schemas.openxmlformats.org/officeDocument/2006/relationships" xmlns:p="http://schemas.openxmlformats.org/presentationml/2006/main">
   <p:cSld>
     <p:spTree>
@@ -29301,283 +29458,6 @@
     <p:extLst>
       <p:ext uri="{BB962C8B-B14F-4D97-AF65-F5344CB8AC3E}">
         <p14:creationId xmlns:p14="http://schemas.microsoft.com/office/powerpoint/2010/main" val="3390319384"/>
-      </p:ext>
-    </p:extLst>
-  </p:cSld>
-  <p:clrMapOvr>
-    <a:masterClrMapping/>
-  </p:clrMapOvr>
-</p:sld>
-</file>
-
-<file path=ppt/slides/slide48.xml><?xml version="1.0" encoding="utf-8"?>
-<p:sld xmlns:a="http://schemas.openxmlformats.org/drawingml/2006/main" xmlns:r="http://schemas.openxmlformats.org/officeDocument/2006/relationships" xmlns:p="http://schemas.openxmlformats.org/presentationml/2006/main">
-  <p:cSld>
-    <p:spTree>
-      <p:nvGrpSpPr>
-        <p:cNvPr id="1" name=""/>
-        <p:cNvGrpSpPr/>
-        <p:nvPr/>
-      </p:nvGrpSpPr>
-      <p:grpSpPr>
-        <a:xfrm>
-          <a:off x="0" y="0"/>
-          <a:ext cx="0" cy="0"/>
-          <a:chOff x="0" y="0"/>
-          <a:chExt cx="0" cy="0"/>
-        </a:xfrm>
-      </p:grpSpPr>
-      <p:sp>
-        <p:nvSpPr>
-          <p:cNvPr id="4" name="Text Placeholder 3">
-            <a:extLst>
-              <a:ext uri="{FF2B5EF4-FFF2-40B4-BE49-F238E27FC236}">
-                <a16:creationId xmlns:a16="http://schemas.microsoft.com/office/drawing/2014/main" id="{BE9FF795-3EF8-4013-AB23-66D625FE4566}"/>
-              </a:ext>
-            </a:extLst>
-          </p:cNvPr>
-          <p:cNvSpPr>
-            <a:spLocks noGrp="1"/>
-          </p:cNvSpPr>
-          <p:nvPr>
-            <p:ph type="body" sz="quarter" idx="12"/>
-          </p:nvPr>
-        </p:nvSpPr>
-        <p:spPr/>
-        <p:txBody>
-          <a:bodyPr/>
-          <a:lstStyle/>
-          <a:p>
-            <a:r>
-              <a:rPr lang="pl-PL" dirty="0" err="1"/>
-              <a:t>Excercise</a:t>
-            </a:r>
-            <a:r>
-              <a:rPr lang="pl-PL" dirty="0"/>
-              <a:t> 5</a:t>
-            </a:r>
-            <a:endParaRPr lang="en-US" dirty="0"/>
-          </a:p>
-        </p:txBody>
-      </p:sp>
-      <p:sp>
-        <p:nvSpPr>
-          <p:cNvPr id="5" name="Text Placeholder 4">
-            <a:extLst>
-              <a:ext uri="{FF2B5EF4-FFF2-40B4-BE49-F238E27FC236}">
-                <a16:creationId xmlns:a16="http://schemas.microsoft.com/office/drawing/2014/main" id="{C2D28652-0338-4F61-98F9-5B26337E53A5}"/>
-              </a:ext>
-            </a:extLst>
-          </p:cNvPr>
-          <p:cNvSpPr>
-            <a:spLocks noGrp="1"/>
-          </p:cNvSpPr>
-          <p:nvPr>
-            <p:ph type="body" sz="quarter" idx="13"/>
-          </p:nvPr>
-        </p:nvSpPr>
-        <p:spPr>
-          <a:xfrm>
-            <a:off x="417600" y="735338"/>
-            <a:ext cx="8308800" cy="3560400"/>
-          </a:xfrm>
-        </p:spPr>
-        <p:txBody>
-          <a:bodyPr>
-            <a:normAutofit/>
-          </a:bodyPr>
-          <a:lstStyle/>
-          <a:p>
-            <a:pPr marL="342900" indent="-342900">
-              <a:buFont typeface="+mj-lt"/>
-              <a:buAutoNum type="arabicPeriod"/>
-            </a:pPr>
-            <a:r>
-              <a:rPr lang="pl-PL" sz="1800" dirty="0" err="1"/>
-              <a:t>Change</a:t>
-            </a:r>
-            <a:r>
-              <a:rPr lang="pl-PL" sz="1800" dirty="0"/>
-              <a:t> the </a:t>
-            </a:r>
-            <a:r>
-              <a:rPr lang="pl-PL" sz="1800" dirty="0" err="1"/>
-              <a:t>content</a:t>
-            </a:r>
-            <a:r>
-              <a:rPr lang="pl-PL" sz="1800" dirty="0"/>
-              <a:t> of HEAD~2</a:t>
-            </a:r>
-          </a:p>
-          <a:p>
-            <a:pPr marL="342900" indent="-342900">
-              <a:buFont typeface="+mj-lt"/>
-              <a:buAutoNum type="arabicPeriod"/>
-            </a:pPr>
-            <a:r>
-              <a:rPr lang="pl-PL" sz="1800" dirty="0" err="1"/>
-              <a:t>Check</a:t>
-            </a:r>
-            <a:r>
-              <a:rPr lang="pl-PL" sz="1800" dirty="0"/>
-              <a:t> the </a:t>
-            </a:r>
-            <a:r>
-              <a:rPr lang="pl-PL" sz="1800" dirty="0" err="1"/>
-              <a:t>history</a:t>
-            </a:r>
-            <a:r>
-              <a:rPr lang="pl-PL" sz="1800" dirty="0"/>
-              <a:t> of the </a:t>
-            </a:r>
-            <a:r>
-              <a:rPr lang="pl-PL" sz="1800" dirty="0" err="1"/>
-              <a:t>repository</a:t>
-            </a:r>
-            <a:endParaRPr lang="pl-PL" sz="1800" dirty="0"/>
-          </a:p>
-          <a:p>
-            <a:pPr marL="342900" indent="-342900">
-              <a:buFont typeface="+mj-lt"/>
-              <a:buAutoNum type="arabicPeriod"/>
-            </a:pPr>
-            <a:r>
-              <a:rPr lang="pl-PL" sz="1800" dirty="0"/>
-              <a:t>Squash </a:t>
-            </a:r>
-            <a:r>
-              <a:rPr lang="pl-PL" sz="1800" dirty="0" err="1"/>
-              <a:t>last</a:t>
-            </a:r>
-            <a:r>
-              <a:rPr lang="pl-PL" sz="1800" dirty="0"/>
-              <a:t> </a:t>
-            </a:r>
-            <a:r>
-              <a:rPr lang="pl-PL" sz="1800" dirty="0" err="1"/>
-              <a:t>two</a:t>
-            </a:r>
-            <a:r>
-              <a:rPr lang="pl-PL" sz="1800" dirty="0"/>
-              <a:t> </a:t>
-            </a:r>
-            <a:r>
-              <a:rPr lang="pl-PL" sz="1800" dirty="0" err="1"/>
-              <a:t>commits</a:t>
-            </a:r>
-            <a:r>
-              <a:rPr lang="pl-PL" sz="1800" dirty="0"/>
-              <a:t> </a:t>
-            </a:r>
-            <a:r>
-              <a:rPr lang="pl-PL" sz="1800" dirty="0" err="1"/>
-              <a:t>into</a:t>
-            </a:r>
-            <a:r>
-              <a:rPr lang="pl-PL" sz="1800" dirty="0"/>
-              <a:t> one</a:t>
-            </a:r>
-            <a:endParaRPr lang="en-US" sz="1800" dirty="0"/>
-          </a:p>
-          <a:p>
-            <a:pPr marL="342900" indent="-342900">
-              <a:buFont typeface="+mj-lt"/>
-              <a:buAutoNum type="arabicPeriod"/>
-            </a:pPr>
-            <a:r>
-              <a:rPr lang="pl-PL" sz="1800" dirty="0" err="1"/>
-              <a:t>Check</a:t>
-            </a:r>
-            <a:r>
-              <a:rPr lang="pl-PL" sz="1800" dirty="0"/>
-              <a:t> the </a:t>
-            </a:r>
-            <a:r>
-              <a:rPr lang="pl-PL" sz="1800" dirty="0" err="1"/>
-              <a:t>history</a:t>
-            </a:r>
-            <a:r>
-              <a:rPr lang="pl-PL" sz="1800" dirty="0"/>
-              <a:t> of the </a:t>
-            </a:r>
-            <a:r>
-              <a:rPr lang="pl-PL" sz="1800" dirty="0" err="1"/>
-              <a:t>repository</a:t>
-            </a:r>
-            <a:endParaRPr lang="pl-PL" sz="1800" dirty="0"/>
-          </a:p>
-          <a:p>
-            <a:pPr marL="342900" indent="-342900">
-              <a:buFont typeface="+mj-lt"/>
-              <a:buAutoNum type="arabicPeriod"/>
-            </a:pPr>
-            <a:r>
-              <a:rPr lang="pl-PL" sz="1800" dirty="0" err="1"/>
-              <a:t>Remove</a:t>
-            </a:r>
-            <a:r>
-              <a:rPr lang="pl-PL" sz="1800" dirty="0"/>
-              <a:t> </a:t>
-            </a:r>
-            <a:r>
-              <a:rPr lang="pl-PL" sz="1800" dirty="0" err="1"/>
-              <a:t>branch</a:t>
-            </a:r>
-            <a:r>
-              <a:rPr lang="pl-PL" sz="1800" dirty="0"/>
-              <a:t> </a:t>
-            </a:r>
-            <a:r>
-              <a:rPr lang="pl-PL" sz="1800" b="1" dirty="0" err="1"/>
-              <a:t>gitIntro</a:t>
-            </a:r>
-            <a:endParaRPr lang="en-US" sz="1800" dirty="0"/>
-          </a:p>
-          <a:p>
-            <a:endParaRPr lang="pl-PL" sz="1800" dirty="0"/>
-          </a:p>
-          <a:p>
-            <a:pPr marL="342900" indent="-342900">
-              <a:buFont typeface="+mj-lt"/>
-              <a:buAutoNum type="arabicPeriod"/>
-            </a:pPr>
-            <a:endParaRPr lang="pl-PL" sz="1800" dirty="0"/>
-          </a:p>
-          <a:p>
-            <a:endParaRPr lang="pl-PL" sz="3500" dirty="0"/>
-          </a:p>
-          <a:p>
-            <a:endParaRPr lang="pl-PL" sz="4400" b="1" dirty="0">
-              <a:latin typeface="Consolas" panose="020B0609020204030204" pitchFamily="49" charset="0"/>
-              <a:cs typeface="Consolas" panose="020B0609020204030204" pitchFamily="49" charset="0"/>
-            </a:endParaRPr>
-          </a:p>
-          <a:p>
-            <a:endParaRPr lang="pl-PL" sz="2400" dirty="0"/>
-          </a:p>
-          <a:p>
-            <a:endParaRPr lang="en-US" sz="1800" b="1" dirty="0">
-              <a:latin typeface="Consolas" panose="020B0609020204030204" pitchFamily="49" charset="0"/>
-            </a:endParaRPr>
-          </a:p>
-          <a:p>
-            <a:pPr marL="342900" indent="-342900">
-              <a:buFont typeface="Arial" panose="020B0604020202020204" pitchFamily="34" charset="0"/>
-              <a:buChar char="•"/>
-            </a:pPr>
-            <a:endParaRPr lang="en-US" sz="1900" b="1" dirty="0">
-              <a:latin typeface="Consolas" panose="020B0609020204030204" pitchFamily="49" charset="0"/>
-            </a:endParaRPr>
-          </a:p>
-          <a:p>
-            <a:endParaRPr lang="en-US" sz="1800" b="1" dirty="0"/>
-          </a:p>
-        </p:txBody>
-      </p:sp>
-    </p:spTree>
-    <p:extLst>
-      <p:ext uri="{BB962C8B-B14F-4D97-AF65-F5344CB8AC3E}">
-        <p14:creationId xmlns:p14="http://schemas.microsoft.com/office/powerpoint/2010/main" val="2918109362"/>
       </p:ext>
     </p:extLst>
   </p:cSld>
@@ -29631,7 +29511,7 @@
             </a:r>
             <a:r>
               <a:rPr lang="pl-PL" dirty="0"/>
-              <a:t> 5 - Solution</a:t>
+              <a:t> 5</a:t>
             </a:r>
             <a:endParaRPr lang="en-US" dirty="0"/>
           </a:p>
@@ -29665,6 +29545,10 @@
           </a:bodyPr>
           <a:lstStyle/>
           <a:p>
+            <a:pPr marL="342900" indent="-342900">
+              <a:buFont typeface="+mj-lt"/>
+              <a:buAutoNum type="arabicPeriod"/>
+            </a:pPr>
             <a:r>
               <a:rPr lang="pl-PL" sz="1800" dirty="0" err="1"/>
               <a:t>Change</a:t>
@@ -29683,24 +29567,137 @@
             </a:r>
           </a:p>
           <a:p>
-            <a:r>
-              <a:rPr lang="pl-PL" sz="1800" b="1" i="1" dirty="0">
-                <a:latin typeface="Consolas" panose="020B0609020204030204" pitchFamily="49" charset="0"/>
-              </a:rPr>
-              <a:t>$ git </a:t>
-            </a:r>
-            <a:r>
-              <a:rPr lang="pl-PL" sz="1800" b="1" i="1" dirty="0" err="1">
-                <a:latin typeface="Consolas" panose="020B0609020204030204" pitchFamily="49" charset="0"/>
-              </a:rPr>
-              <a:t>rebase</a:t>
-            </a:r>
-            <a:r>
-              <a:rPr lang="pl-PL" sz="1800" b="1" i="1" dirty="0">
-                <a:latin typeface="Consolas" panose="020B0609020204030204" pitchFamily="49" charset="0"/>
-              </a:rPr>
-              <a:t> –i HEAD~2</a:t>
-            </a:r>
+            <a:pPr marL="342900" indent="-342900">
+              <a:buFont typeface="+mj-lt"/>
+              <a:buAutoNum type="arabicPeriod"/>
+            </a:pPr>
+            <a:r>
+              <a:rPr lang="pl-PL" sz="1800" dirty="0" err="1"/>
+              <a:t>Check</a:t>
+            </a:r>
+            <a:r>
+              <a:rPr lang="pl-PL" sz="1800" dirty="0"/>
+              <a:t> the </a:t>
+            </a:r>
+            <a:r>
+              <a:rPr lang="pl-PL" sz="1800" dirty="0" err="1"/>
+              <a:t>history</a:t>
+            </a:r>
+            <a:r>
+              <a:rPr lang="pl-PL" sz="1800" dirty="0"/>
+              <a:t> of the </a:t>
+            </a:r>
+            <a:r>
+              <a:rPr lang="pl-PL" sz="1800" dirty="0" err="1"/>
+              <a:t>repository</a:t>
+            </a:r>
+            <a:endParaRPr lang="pl-PL" sz="1800" dirty="0"/>
+          </a:p>
+          <a:p>
+            <a:pPr marL="342900" indent="-342900">
+              <a:buFont typeface="+mj-lt"/>
+              <a:buAutoNum type="arabicPeriod"/>
+            </a:pPr>
+            <a:r>
+              <a:rPr lang="pl-PL" sz="1800" dirty="0"/>
+              <a:t>Squash </a:t>
+            </a:r>
+            <a:r>
+              <a:rPr lang="pl-PL" sz="1800" dirty="0" err="1"/>
+              <a:t>last</a:t>
+            </a:r>
+            <a:r>
+              <a:rPr lang="pl-PL" sz="1800" dirty="0"/>
+              <a:t> </a:t>
+            </a:r>
+            <a:r>
+              <a:rPr lang="pl-PL" sz="1800" dirty="0" err="1"/>
+              <a:t>two</a:t>
+            </a:r>
+            <a:r>
+              <a:rPr lang="pl-PL" sz="1800" dirty="0"/>
+              <a:t> </a:t>
+            </a:r>
+            <a:r>
+              <a:rPr lang="pl-PL" sz="1800" dirty="0" err="1"/>
+              <a:t>commits</a:t>
+            </a:r>
+            <a:r>
+              <a:rPr lang="pl-PL" sz="1800" dirty="0"/>
+              <a:t> </a:t>
+            </a:r>
+            <a:r>
+              <a:rPr lang="pl-PL" sz="1800" dirty="0" err="1"/>
+              <a:t>into</a:t>
+            </a:r>
+            <a:r>
+              <a:rPr lang="pl-PL" sz="1800" dirty="0"/>
+              <a:t> one</a:t>
+            </a:r>
+            <a:endParaRPr lang="en-US" sz="1800" dirty="0"/>
+          </a:p>
+          <a:p>
+            <a:pPr marL="342900" indent="-342900">
+              <a:buFont typeface="+mj-lt"/>
+              <a:buAutoNum type="arabicPeriod"/>
+            </a:pPr>
+            <a:r>
+              <a:rPr lang="pl-PL" sz="1800" dirty="0" err="1"/>
+              <a:t>Check</a:t>
+            </a:r>
+            <a:r>
+              <a:rPr lang="pl-PL" sz="1800" dirty="0"/>
+              <a:t> the </a:t>
+            </a:r>
+            <a:r>
+              <a:rPr lang="pl-PL" sz="1800" dirty="0" err="1"/>
+              <a:t>history</a:t>
+            </a:r>
+            <a:r>
+              <a:rPr lang="pl-PL" sz="1800" dirty="0"/>
+              <a:t> of the </a:t>
+            </a:r>
+            <a:r>
+              <a:rPr lang="pl-PL" sz="1800" dirty="0" err="1"/>
+              <a:t>repository</a:t>
+            </a:r>
+            <a:endParaRPr lang="pl-PL" sz="1800" dirty="0"/>
+          </a:p>
+          <a:p>
+            <a:pPr marL="342900" indent="-342900">
+              <a:buFont typeface="+mj-lt"/>
+              <a:buAutoNum type="arabicPeriod"/>
+            </a:pPr>
+            <a:r>
+              <a:rPr lang="pl-PL" sz="1800" dirty="0" err="1"/>
+              <a:t>Remove</a:t>
+            </a:r>
+            <a:r>
+              <a:rPr lang="pl-PL" sz="1800" dirty="0"/>
+              <a:t> </a:t>
+            </a:r>
+            <a:r>
+              <a:rPr lang="pl-PL" sz="1800" dirty="0" err="1"/>
+              <a:t>branch</a:t>
+            </a:r>
+            <a:r>
+              <a:rPr lang="pl-PL" sz="1800" dirty="0"/>
+              <a:t> </a:t>
+            </a:r>
+            <a:r>
+              <a:rPr lang="pl-PL" sz="1800" b="1" dirty="0" err="1"/>
+              <a:t>gitIntro</a:t>
+            </a:r>
+            <a:endParaRPr lang="en-US" sz="1800" dirty="0"/>
+          </a:p>
+          <a:p>
+            <a:endParaRPr lang="pl-PL" sz="1800" dirty="0"/>
+          </a:p>
+          <a:p>
+            <a:pPr marL="342900" indent="-342900">
+              <a:buFont typeface="+mj-lt"/>
+              <a:buAutoNum type="arabicPeriod"/>
+            </a:pPr>
             <a:endParaRPr lang="pl-PL" sz="1800" dirty="0"/>
           </a:p>
           <a:p>
@@ -29734,70 +29731,10 @@
           </a:p>
         </p:txBody>
       </p:sp>
-      <p:pic>
-        <p:nvPicPr>
-          <p:cNvPr id="3" name="Picture 2">
-            <a:extLst>
-              <a:ext uri="{FF2B5EF4-FFF2-40B4-BE49-F238E27FC236}">
-                <a16:creationId xmlns:a16="http://schemas.microsoft.com/office/drawing/2014/main" id="{F30B77C6-FB2B-4C4E-9F7A-3035ED27E923}"/>
-              </a:ext>
-            </a:extLst>
-          </p:cNvPr>
-          <p:cNvPicPr>
-            <a:picLocks noChangeAspect="1"/>
-          </p:cNvPicPr>
-          <p:nvPr/>
-        </p:nvPicPr>
-        <p:blipFill>
-          <a:blip r:embed="rId2"/>
-          <a:stretch>
-            <a:fillRect/>
-          </a:stretch>
-        </p:blipFill>
-        <p:spPr>
-          <a:xfrm>
-            <a:off x="417600" y="1354533"/>
-            <a:ext cx="4700312" cy="1161005"/>
-          </a:xfrm>
-          <a:prstGeom prst="rect">
-            <a:avLst/>
-          </a:prstGeom>
-        </p:spPr>
-      </p:pic>
-      <p:pic>
-        <p:nvPicPr>
-          <p:cNvPr id="6" name="Picture 5">
-            <a:extLst>
-              <a:ext uri="{FF2B5EF4-FFF2-40B4-BE49-F238E27FC236}">
-                <a16:creationId xmlns:a16="http://schemas.microsoft.com/office/drawing/2014/main" id="{CC154217-7318-40BE-BF7C-956BC1AE600F}"/>
-              </a:ext>
-            </a:extLst>
-          </p:cNvPr>
-          <p:cNvPicPr>
-            <a:picLocks noChangeAspect="1"/>
-          </p:cNvPicPr>
-          <p:nvPr/>
-        </p:nvPicPr>
-        <p:blipFill>
-          <a:blip r:embed="rId3"/>
-          <a:stretch>
-            <a:fillRect/>
-          </a:stretch>
-        </p:blipFill>
-        <p:spPr>
-          <a:xfrm>
-            <a:off x="417600" y="2627963"/>
-            <a:ext cx="2482416" cy="2129774"/>
-          </a:xfrm>
-          <a:prstGeom prst="rect">
-            <a:avLst/>
-          </a:prstGeom>
-        </p:spPr>
-      </p:pic>
     </p:spTree>
     <p:extLst>
       <p:ext uri="{BB962C8B-B14F-4D97-AF65-F5344CB8AC3E}">
-        <p14:creationId xmlns:p14="http://schemas.microsoft.com/office/powerpoint/2010/main" val="163015206"/>
+        <p14:creationId xmlns:p14="http://schemas.microsoft.com/office/powerpoint/2010/main" val="2918109362"/>
       </p:ext>
     </p:extLst>
   </p:cSld>
@@ -31293,6 +31230,226 @@
             </a:r>
             <a:r>
               <a:rPr lang="pl-PL" dirty="0"/>
+              <a:t> 5 - Solution</a:t>
+            </a:r>
+            <a:endParaRPr lang="en-US" dirty="0"/>
+          </a:p>
+        </p:txBody>
+      </p:sp>
+      <p:sp>
+        <p:nvSpPr>
+          <p:cNvPr id="5" name="Text Placeholder 4">
+            <a:extLst>
+              <a:ext uri="{FF2B5EF4-FFF2-40B4-BE49-F238E27FC236}">
+                <a16:creationId xmlns:a16="http://schemas.microsoft.com/office/drawing/2014/main" id="{C2D28652-0338-4F61-98F9-5B26337E53A5}"/>
+              </a:ext>
+            </a:extLst>
+          </p:cNvPr>
+          <p:cNvSpPr>
+            <a:spLocks noGrp="1"/>
+          </p:cNvSpPr>
+          <p:nvPr>
+            <p:ph type="body" sz="quarter" idx="13"/>
+          </p:nvPr>
+        </p:nvSpPr>
+        <p:spPr>
+          <a:xfrm>
+            <a:off x="417600" y="735338"/>
+            <a:ext cx="8308800" cy="3560400"/>
+          </a:xfrm>
+        </p:spPr>
+        <p:txBody>
+          <a:bodyPr>
+            <a:normAutofit/>
+          </a:bodyPr>
+          <a:lstStyle/>
+          <a:p>
+            <a:r>
+              <a:rPr lang="pl-PL" sz="1800" dirty="0" err="1"/>
+              <a:t>Change</a:t>
+            </a:r>
+            <a:r>
+              <a:rPr lang="pl-PL" sz="1800" dirty="0"/>
+              <a:t> the </a:t>
+            </a:r>
+            <a:r>
+              <a:rPr lang="pl-PL" sz="1800" dirty="0" err="1"/>
+              <a:t>content</a:t>
+            </a:r>
+            <a:r>
+              <a:rPr lang="pl-PL" sz="1800" dirty="0"/>
+              <a:t> of HEAD~2</a:t>
+            </a:r>
+          </a:p>
+          <a:p>
+            <a:r>
+              <a:rPr lang="pl-PL" sz="1800" b="1" i="1" dirty="0">
+                <a:latin typeface="Consolas" panose="020B0609020204030204" pitchFamily="49" charset="0"/>
+              </a:rPr>
+              <a:t>$ git </a:t>
+            </a:r>
+            <a:r>
+              <a:rPr lang="pl-PL" sz="1800" b="1" i="1" dirty="0" err="1">
+                <a:latin typeface="Consolas" panose="020B0609020204030204" pitchFamily="49" charset="0"/>
+              </a:rPr>
+              <a:t>rebase</a:t>
+            </a:r>
+            <a:r>
+              <a:rPr lang="pl-PL" sz="1800" b="1" i="1" dirty="0">
+                <a:latin typeface="Consolas" panose="020B0609020204030204" pitchFamily="49" charset="0"/>
+              </a:rPr>
+              <a:t> –i HEAD~2</a:t>
+            </a:r>
+            <a:endParaRPr lang="pl-PL" sz="1800" dirty="0"/>
+          </a:p>
+          <a:p>
+            <a:endParaRPr lang="pl-PL" sz="3500" dirty="0"/>
+          </a:p>
+          <a:p>
+            <a:endParaRPr lang="pl-PL" sz="4400" b="1" dirty="0">
+              <a:latin typeface="Consolas" panose="020B0609020204030204" pitchFamily="49" charset="0"/>
+              <a:cs typeface="Consolas" panose="020B0609020204030204" pitchFamily="49" charset="0"/>
+            </a:endParaRPr>
+          </a:p>
+          <a:p>
+            <a:endParaRPr lang="pl-PL" sz="2400" dirty="0"/>
+          </a:p>
+          <a:p>
+            <a:endParaRPr lang="en-US" sz="1800" b="1" dirty="0">
+              <a:latin typeface="Consolas" panose="020B0609020204030204" pitchFamily="49" charset="0"/>
+            </a:endParaRPr>
+          </a:p>
+          <a:p>
+            <a:pPr marL="342900" indent="-342900">
+              <a:buFont typeface="Arial" panose="020B0604020202020204" pitchFamily="34" charset="0"/>
+              <a:buChar char="•"/>
+            </a:pPr>
+            <a:endParaRPr lang="en-US" sz="1900" b="1" dirty="0">
+              <a:latin typeface="Consolas" panose="020B0609020204030204" pitchFamily="49" charset="0"/>
+            </a:endParaRPr>
+          </a:p>
+          <a:p>
+            <a:endParaRPr lang="en-US" sz="1800" b="1" dirty="0"/>
+          </a:p>
+        </p:txBody>
+      </p:sp>
+      <p:pic>
+        <p:nvPicPr>
+          <p:cNvPr id="3" name="Picture 2">
+            <a:extLst>
+              <a:ext uri="{FF2B5EF4-FFF2-40B4-BE49-F238E27FC236}">
+                <a16:creationId xmlns:a16="http://schemas.microsoft.com/office/drawing/2014/main" id="{F30B77C6-FB2B-4C4E-9F7A-3035ED27E923}"/>
+              </a:ext>
+            </a:extLst>
+          </p:cNvPr>
+          <p:cNvPicPr>
+            <a:picLocks noChangeAspect="1"/>
+          </p:cNvPicPr>
+          <p:nvPr/>
+        </p:nvPicPr>
+        <p:blipFill>
+          <a:blip r:embed="rId2"/>
+          <a:stretch>
+            <a:fillRect/>
+          </a:stretch>
+        </p:blipFill>
+        <p:spPr>
+          <a:xfrm>
+            <a:off x="417600" y="1354533"/>
+            <a:ext cx="4700312" cy="1161005"/>
+          </a:xfrm>
+          <a:prstGeom prst="rect">
+            <a:avLst/>
+          </a:prstGeom>
+        </p:spPr>
+      </p:pic>
+      <p:pic>
+        <p:nvPicPr>
+          <p:cNvPr id="6" name="Picture 5">
+            <a:extLst>
+              <a:ext uri="{FF2B5EF4-FFF2-40B4-BE49-F238E27FC236}">
+                <a16:creationId xmlns:a16="http://schemas.microsoft.com/office/drawing/2014/main" id="{CC154217-7318-40BE-BF7C-956BC1AE600F}"/>
+              </a:ext>
+            </a:extLst>
+          </p:cNvPr>
+          <p:cNvPicPr>
+            <a:picLocks noChangeAspect="1"/>
+          </p:cNvPicPr>
+          <p:nvPr/>
+        </p:nvPicPr>
+        <p:blipFill>
+          <a:blip r:embed="rId3"/>
+          <a:stretch>
+            <a:fillRect/>
+          </a:stretch>
+        </p:blipFill>
+        <p:spPr>
+          <a:xfrm>
+            <a:off x="417600" y="2627963"/>
+            <a:ext cx="2482416" cy="2129774"/>
+          </a:xfrm>
+          <a:prstGeom prst="rect">
+            <a:avLst/>
+          </a:prstGeom>
+        </p:spPr>
+      </p:pic>
+    </p:spTree>
+    <p:extLst>
+      <p:ext uri="{BB962C8B-B14F-4D97-AF65-F5344CB8AC3E}">
+        <p14:creationId xmlns:p14="http://schemas.microsoft.com/office/powerpoint/2010/main" val="163015206"/>
+      </p:ext>
+    </p:extLst>
+  </p:cSld>
+  <p:clrMapOvr>
+    <a:masterClrMapping/>
+  </p:clrMapOvr>
+</p:sld>
+</file>
+
+<file path=ppt/slides/slide51.xml><?xml version="1.0" encoding="utf-8"?>
+<p:sld xmlns:a="http://schemas.openxmlformats.org/drawingml/2006/main" xmlns:r="http://schemas.openxmlformats.org/officeDocument/2006/relationships" xmlns:p="http://schemas.openxmlformats.org/presentationml/2006/main">
+  <p:cSld>
+    <p:spTree>
+      <p:nvGrpSpPr>
+        <p:cNvPr id="1" name=""/>
+        <p:cNvGrpSpPr/>
+        <p:nvPr/>
+      </p:nvGrpSpPr>
+      <p:grpSpPr>
+        <a:xfrm>
+          <a:off x="0" y="0"/>
+          <a:ext cx="0" cy="0"/>
+          <a:chOff x="0" y="0"/>
+          <a:chExt cx="0" cy="0"/>
+        </a:xfrm>
+      </p:grpSpPr>
+      <p:sp>
+        <p:nvSpPr>
+          <p:cNvPr id="4" name="Text Placeholder 3">
+            <a:extLst>
+              <a:ext uri="{FF2B5EF4-FFF2-40B4-BE49-F238E27FC236}">
+                <a16:creationId xmlns:a16="http://schemas.microsoft.com/office/drawing/2014/main" id="{BE9FF795-3EF8-4013-AB23-66D625FE4566}"/>
+              </a:ext>
+            </a:extLst>
+          </p:cNvPr>
+          <p:cNvSpPr>
+            <a:spLocks noGrp="1"/>
+          </p:cNvSpPr>
+          <p:nvPr>
+            <p:ph type="body" sz="quarter" idx="12"/>
+          </p:nvPr>
+        </p:nvSpPr>
+        <p:spPr/>
+        <p:txBody>
+          <a:bodyPr/>
+          <a:lstStyle/>
+          <a:p>
+            <a:r>
+              <a:rPr lang="pl-PL" dirty="0" err="1"/>
+              <a:t>Excercise</a:t>
+            </a:r>
+            <a:r>
+              <a:rPr lang="pl-PL" dirty="0"/>
               <a:t> 5</a:t>
             </a:r>
             <a:endParaRPr lang="en-US" dirty="0"/>
@@ -31508,7 +31665,7 @@
 </p:sld>
 </file>
 
-<file path=ppt/slides/slide51.xml><?xml version="1.0" encoding="utf-8"?>
+<file path=ppt/slides/slide52.xml><?xml version="1.0" encoding="utf-8"?>
 <p:sld xmlns:a="http://schemas.openxmlformats.org/drawingml/2006/main" xmlns:r="http://schemas.openxmlformats.org/officeDocument/2006/relationships" xmlns:p="http://schemas.openxmlformats.org/presentationml/2006/main">
   <p:cSld>
     <p:spTree>
@@ -31757,7 +31914,7 @@
 </p:sld>
 </file>
 
-<file path=ppt/slides/slide52.xml><?xml version="1.0" encoding="utf-8"?>
+<file path=ppt/slides/slide53.xml><?xml version="1.0" encoding="utf-8"?>
 <p:sld xmlns:a="http://schemas.openxmlformats.org/drawingml/2006/main" xmlns:r="http://schemas.openxmlformats.org/officeDocument/2006/relationships" xmlns:p="http://schemas.openxmlformats.org/presentationml/2006/main">
   <p:cSld>
     <p:spTree>
@@ -31852,7 +32009,7 @@
 </p:sld>
 </file>
 
-<file path=ppt/slides/slide53.xml><?xml version="1.0" encoding="utf-8"?>
+<file path=ppt/slides/slide54.xml><?xml version="1.0" encoding="utf-8"?>
 <p:sld xmlns:a="http://schemas.openxmlformats.org/drawingml/2006/main" xmlns:r="http://schemas.openxmlformats.org/officeDocument/2006/relationships" xmlns:p="http://schemas.openxmlformats.org/presentationml/2006/main">
   <p:cSld>
     <p:spTree>
@@ -31882,7 +32039,7 @@
 </p:sld>
 </file>
 
-<file path=ppt/slides/slide54.xml><?xml version="1.0" encoding="utf-8"?>
+<file path=ppt/slides/slide55.xml><?xml version="1.0" encoding="utf-8"?>
 <p:sld xmlns:a="http://schemas.openxmlformats.org/drawingml/2006/main" xmlns:r="http://schemas.openxmlformats.org/officeDocument/2006/relationships" xmlns:p="http://schemas.openxmlformats.org/presentationml/2006/main">
   <p:cSld>
     <p:spTree>
@@ -32720,7 +32877,7 @@
 </p:sld>
 </file>
 
-<file path=ppt/slides/slide55.xml><?xml version="1.0" encoding="utf-8"?>
+<file path=ppt/slides/slide56.xml><?xml version="1.0" encoding="utf-8"?>
 <p:sld xmlns:a="http://schemas.openxmlformats.org/drawingml/2006/main" xmlns:r="http://schemas.openxmlformats.org/officeDocument/2006/relationships" xmlns:p="http://schemas.openxmlformats.org/presentationml/2006/main">
   <p:cSld>
     <p:spTree>
@@ -38624,7 +38781,7 @@
     </p:spTree>
     <p:extLst>
       <p:ext uri="{BB962C8B-B14F-4D97-AF65-F5344CB8AC3E}">
-        <p14:creationId xmlns:p14="http://schemas.microsoft.com/office/powerpoint/2010/main" val="1895048820"/>
+        <p14:creationId xmlns:p14="http://schemas.microsoft.com/office/powerpoint/2010/main" val="1949279352"/>
       </p:ext>
     </p:extLst>
   </p:cSld>
@@ -41231,6 +41388,46 @@
 
 <file path=customXml/item1.xml><?xml version="1.0" encoding="utf-8"?>
 <?mso-contentType ?>
+<SharedContentType xmlns="Microsoft.SharePoint.Taxonomy.ContentTypeSync" SourceId="34c87397-5fc1-491e-85e7-d6110dbe9cbd" ContentTypeId="0x010100CE50E52E7543470BBDD3827FE50C59CB" PreviousValue="false"/>
+</file>
+
+<file path=customXml/item2.xml><?xml version="1.0" encoding="utf-8"?>
+<?mso-contentType ?>
+<FormTemplates xmlns="http://schemas.microsoft.com/sharepoint/v3/contenttype/forms">
+  <Display>DocumentLibraryForm</Display>
+  <Edit>DocumentLibraryForm</Edit>
+  <New>DocumentLibraryForm</New>
+</FormTemplates>
+</file>
+
+<file path=customXml/item3.xml><?xml version="1.0" encoding="utf-8"?>
+<?mso-contentType ?>
+<customXsn xmlns="http://schemas.microsoft.com/office/2006/metadata/customXsn">
+  <xsnLocation/>
+  <cached>True</cached>
+  <openByDefault>True</openByDefault>
+  <xsnScope/>
+</customXsn>
+</file>
+
+<file path=customXml/item4.xml><?xml version="1.0" encoding="utf-8"?>
+<p:properties xmlns:p="http://schemas.microsoft.com/office/2006/metadata/properties" xmlns:xsi="http://www.w3.org/2001/XMLSchema-instance" xmlns:pc="http://schemas.microsoft.com/office/infopath/2007/PartnerControls">
+  <documentManagement>
+    <Owner xmlns="71c5aaf6-e6ce-465b-b873-5148d2a4c105">Spen Spencer</Owner>
+    <DocumentType xmlns="71c5aaf6-e6ce-465b-b873-5148d2a4c105">Description</DocumentType>
+    <NokiaConfidentiality xmlns="71c5aaf6-e6ce-465b-b873-5148d2a4c105">Nokia Internal Use</NokiaConfidentiality>
+    <HideFromDelve xmlns="71c5aaf6-e6ce-465b-b873-5148d2a4c105">false</HideFromDelve>
+    <_dlc_DocId xmlns="71c5aaf6-e6ce-465b-b873-5148d2a4c105">QBI5PMBIL2NS-1242730160-2505</_dlc_DocId>
+    <_dlc_DocIdUrl xmlns="71c5aaf6-e6ce-465b-b873-5148d2a4c105">
+      <Url>https://nokia.sharepoint.com/sites/brandstore/_layouts/15/DocIdRedir.aspx?ID=QBI5PMBIL2NS-1242730160-2505</Url>
+      <Description>QBI5PMBIL2NS-1242730160-2505</Description>
+    </_dlc_DocIdUrl>
+  </documentManagement>
+</p:properties>
+</file>
+
+<file path=customXml/item5.xml><?xml version="1.0" encoding="utf-8"?>
+<?mso-contentType ?>
 <spe:Receivers xmlns:spe="http://schemas.microsoft.com/sharepoint/events">
   <Receiver>
     <Name>Document ID Generator</Name>
@@ -41277,46 +41474,6 @@
     <Filter/>
   </Receiver>
 </spe:Receivers>
-</file>
-
-<file path=customXml/item2.xml><?xml version="1.0" encoding="utf-8"?>
-<?mso-contentType ?>
-<SharedContentType xmlns="Microsoft.SharePoint.Taxonomy.ContentTypeSync" SourceId="34c87397-5fc1-491e-85e7-d6110dbe9cbd" ContentTypeId="0x010100CE50E52E7543470BBDD3827FE50C59CB" PreviousValue="false"/>
-</file>
-
-<file path=customXml/item3.xml><?xml version="1.0" encoding="utf-8"?>
-<p:properties xmlns:p="http://schemas.microsoft.com/office/2006/metadata/properties" xmlns:xsi="http://www.w3.org/2001/XMLSchema-instance" xmlns:pc="http://schemas.microsoft.com/office/infopath/2007/PartnerControls">
-  <documentManagement>
-    <Owner xmlns="71c5aaf6-e6ce-465b-b873-5148d2a4c105">Spen Spencer</Owner>
-    <DocumentType xmlns="71c5aaf6-e6ce-465b-b873-5148d2a4c105">Description</DocumentType>
-    <NokiaConfidentiality xmlns="71c5aaf6-e6ce-465b-b873-5148d2a4c105">Nokia Internal Use</NokiaConfidentiality>
-    <HideFromDelve xmlns="71c5aaf6-e6ce-465b-b873-5148d2a4c105">false</HideFromDelve>
-    <_dlc_DocId xmlns="71c5aaf6-e6ce-465b-b873-5148d2a4c105">QBI5PMBIL2NS-1242730160-2505</_dlc_DocId>
-    <_dlc_DocIdUrl xmlns="71c5aaf6-e6ce-465b-b873-5148d2a4c105">
-      <Url>https://nokia.sharepoint.com/sites/brandstore/_layouts/15/DocIdRedir.aspx?ID=QBI5PMBIL2NS-1242730160-2505</Url>
-      <Description>QBI5PMBIL2NS-1242730160-2505</Description>
-    </_dlc_DocIdUrl>
-  </documentManagement>
-</p:properties>
-</file>
-
-<file path=customXml/item4.xml><?xml version="1.0" encoding="utf-8"?>
-<?mso-contentType ?>
-<customXsn xmlns="http://schemas.microsoft.com/office/2006/metadata/customXsn">
-  <xsnLocation/>
-  <cached>True</cached>
-  <openByDefault>True</openByDefault>
-  <xsnScope/>
-</customXsn>
-</file>
-
-<file path=customXml/item5.xml><?xml version="1.0" encoding="utf-8"?>
-<?mso-contentType ?>
-<FormTemplates xmlns="http://schemas.microsoft.com/sharepoint/v3/contenttype/forms">
-  <Display>DocumentLibraryForm</Display>
-  <Edit>DocumentLibraryForm</Edit>
-  <New>DocumentLibraryForm</New>
-</FormTemplates>
 </file>
 
 <file path=customXml/item6.xml><?xml version="1.0" encoding="utf-8"?>
@@ -41523,14 +41680,6 @@
 </file>
 
 <file path=customXml/itemProps1.xml><?xml version="1.0" encoding="utf-8"?>
-<ds:datastoreItem xmlns:ds="http://schemas.openxmlformats.org/officeDocument/2006/customXml" ds:itemID="{5BDB0496-1A1D-4B21-BC76-DDA1AAE9922B}">
-  <ds:schemaRefs>
-    <ds:schemaRef ds:uri="http://schemas.microsoft.com/sharepoint/events"/>
-  </ds:schemaRefs>
-</ds:datastoreItem>
-</file>
-
-<file path=customXml/itemProps2.xml><?xml version="1.0" encoding="utf-8"?>
 <ds:datastoreItem xmlns:ds="http://schemas.openxmlformats.org/officeDocument/2006/customXml" ds:itemID="{B69FDC28-DDA5-440E-9BA4-E68BD29F4D24}">
   <ds:schemaRefs>
     <ds:schemaRef ds:uri="Microsoft.SharePoint.Taxonomy.ContentTypeSync"/>
@@ -41538,7 +41687,23 @@
 </ds:datastoreItem>
 </file>
 
+<file path=customXml/itemProps2.xml><?xml version="1.0" encoding="utf-8"?>
+<ds:datastoreItem xmlns:ds="http://schemas.openxmlformats.org/officeDocument/2006/customXml" ds:itemID="{9DED2D23-3C7F-41E8-ACA8-DA4828291003}">
+  <ds:schemaRefs>
+    <ds:schemaRef ds:uri="http://schemas.microsoft.com/sharepoint/v3/contenttype/forms"/>
+  </ds:schemaRefs>
+</ds:datastoreItem>
+</file>
+
 <file path=customXml/itemProps3.xml><?xml version="1.0" encoding="utf-8"?>
+<ds:datastoreItem xmlns:ds="http://schemas.openxmlformats.org/officeDocument/2006/customXml" ds:itemID="{B13512BF-786C-44BC-9179-48F650BCBA3C}">
+  <ds:schemaRefs>
+    <ds:schemaRef ds:uri="http://schemas.microsoft.com/office/2006/metadata/customXsn"/>
+  </ds:schemaRefs>
+</ds:datastoreItem>
+</file>
+
+<file path=customXml/itemProps4.xml><?xml version="1.0" encoding="utf-8"?>
 <ds:datastoreItem xmlns:ds="http://schemas.openxmlformats.org/officeDocument/2006/customXml" ds:itemID="{F1A5087E-D875-4389-9B23-8434F51180AC}">
   <ds:schemaRefs>
     <ds:schemaRef ds:uri="http://schemas.microsoft.com/office/2006/documentManagement/types"/>
@@ -41554,18 +41719,10 @@
 </ds:datastoreItem>
 </file>
 
-<file path=customXml/itemProps4.xml><?xml version="1.0" encoding="utf-8"?>
-<ds:datastoreItem xmlns:ds="http://schemas.openxmlformats.org/officeDocument/2006/customXml" ds:itemID="{B13512BF-786C-44BC-9179-48F650BCBA3C}">
+<file path=customXml/itemProps5.xml><?xml version="1.0" encoding="utf-8"?>
+<ds:datastoreItem xmlns:ds="http://schemas.openxmlformats.org/officeDocument/2006/customXml" ds:itemID="{5BDB0496-1A1D-4B21-BC76-DDA1AAE9922B}">
   <ds:schemaRefs>
-    <ds:schemaRef ds:uri="http://schemas.microsoft.com/office/2006/metadata/customXsn"/>
-  </ds:schemaRefs>
-</ds:datastoreItem>
-</file>
-
-<file path=customXml/itemProps5.xml><?xml version="1.0" encoding="utf-8"?>
-<ds:datastoreItem xmlns:ds="http://schemas.openxmlformats.org/officeDocument/2006/customXml" ds:itemID="{9DED2D23-3C7F-41E8-ACA8-DA4828291003}">
-  <ds:schemaRefs>
-    <ds:schemaRef ds:uri="http://schemas.microsoft.com/sharepoint/v3/contenttype/forms"/>
+    <ds:schemaRef ds:uri="http://schemas.microsoft.com/sharepoint/events"/>
   </ds:schemaRefs>
 </ds:datastoreItem>
 </file>
